--- a/mesocycle/public/storyboard/Mesocycle Storyboard.pptx
+++ b/mesocycle/public/storyboard/Mesocycle Storyboard.pptx
@@ -5,7 +5,7 @@
     <p:sldMasterId id="2147483648" r:id="rId1"/>
   </p:sldMasterIdLst>
   <p:notesMasterIdLst>
-    <p:notesMasterId r:id="rId9"/>
+    <p:notesMasterId r:id="rId8"/>
   </p:notesMasterIdLst>
   <p:sldIdLst>
     <p:sldId id="257" r:id="rId2"/>
@@ -14,7 +14,6 @@
     <p:sldId id="260" r:id="rId5"/>
     <p:sldId id="261" r:id="rId6"/>
     <p:sldId id="262" r:id="rId7"/>
-    <p:sldId id="263" r:id="rId8"/>
   </p:sldIdLst>
   <p:sldSz cx="12192000" cy="6858000"/>
   <p:notesSz cx="6858000" cy="9144000"/>
@@ -913,844 +912,7 @@
 </c:chartSpace>
 </file>
 
-<file path=ppt/charts/chart2.xml><?xml version="1.0" encoding="utf-8"?>
-<c:chartSpace xmlns:c="http://schemas.openxmlformats.org/drawingml/2006/chart" xmlns:a="http://schemas.openxmlformats.org/drawingml/2006/main" xmlns:r="http://schemas.openxmlformats.org/officeDocument/2006/relationships" xmlns:c16r2="http://schemas.microsoft.com/office/drawing/2015/06/chart">
-  <c:date1904 val="0"/>
-  <c:lang val="en-US"/>
-  <c:roundedCorners val="0"/>
-  <mc:AlternateContent xmlns:mc="http://schemas.openxmlformats.org/markup-compatibility/2006">
-    <mc:Choice xmlns:c14="http://schemas.microsoft.com/office/drawing/2007/8/2/chart" Requires="c14">
-      <c14:style val="102"/>
-    </mc:Choice>
-    <mc:Fallback>
-      <c:style val="2"/>
-    </mc:Fallback>
-  </mc:AlternateContent>
-  <c:chart>
-    <c:title>
-      <c:tx>
-        <c:rich>
-          <a:bodyPr rot="0" spcFirstLastPara="1" vertOverflow="ellipsis" vert="horz" wrap="square" anchor="ctr" anchorCtr="1"/>
-          <a:lstStyle/>
-          <a:p>
-            <a:pPr>
-              <a:defRPr sz="1862" b="0" i="0" u="none" strike="noStrike" kern="1200" spc="0" baseline="0">
-                <a:solidFill>
-                  <a:schemeClr val="tx1">
-                    <a:lumMod val="65000"/>
-                    <a:lumOff val="35000"/>
-                  </a:schemeClr>
-                </a:solidFill>
-                <a:latin typeface="+mn-lt"/>
-                <a:ea typeface="+mn-ea"/>
-                <a:cs typeface="+mn-cs"/>
-              </a:defRPr>
-            </a:pPr>
-            <a:r>
-              <a:rPr lang="en-US" dirty="0"/>
-              <a:t>Training Volume</a:t>
-            </a:r>
-            <a:r>
-              <a:rPr lang="en-US" baseline="0" dirty="0"/>
-              <a:t> = Sets x Reps x Weight</a:t>
-            </a:r>
-            <a:endParaRPr lang="en-US" dirty="0"/>
-          </a:p>
-        </c:rich>
-      </c:tx>
-      <c:overlay val="0"/>
-      <c:spPr>
-        <a:noFill/>
-        <a:ln>
-          <a:noFill/>
-        </a:ln>
-        <a:effectLst/>
-      </c:spPr>
-      <c:txPr>
-        <a:bodyPr rot="0" spcFirstLastPara="1" vertOverflow="ellipsis" vert="horz" wrap="square" anchor="ctr" anchorCtr="1"/>
-        <a:lstStyle/>
-        <a:p>
-          <a:pPr>
-            <a:defRPr sz="1862" b="0" i="0" u="none" strike="noStrike" kern="1200" spc="0" baseline="0">
-              <a:solidFill>
-                <a:schemeClr val="tx1">
-                  <a:lumMod val="65000"/>
-                  <a:lumOff val="35000"/>
-                </a:schemeClr>
-              </a:solidFill>
-              <a:latin typeface="+mn-lt"/>
-              <a:ea typeface="+mn-ea"/>
-              <a:cs typeface="+mn-cs"/>
-            </a:defRPr>
-          </a:pPr>
-          <a:endParaRPr lang="en-US"/>
-        </a:p>
-      </c:txPr>
-    </c:title>
-    <c:autoTitleDeleted val="0"/>
-    <c:plotArea>
-      <c:layout/>
-      <c:barChart>
-        <c:barDir val="col"/>
-        <c:grouping val="stacked"/>
-        <c:varyColors val="0"/>
-        <c:ser>
-          <c:idx val="0"/>
-          <c:order val="0"/>
-          <c:tx>
-            <c:strRef>
-              <c:f>Sheet1!$B$1</c:f>
-              <c:strCache>
-                <c:ptCount val="1"/>
-                <c:pt idx="0">
-                  <c:v>Week 1</c:v>
-                </c:pt>
-              </c:strCache>
-            </c:strRef>
-          </c:tx>
-          <c:spPr>
-            <a:solidFill>
-              <a:schemeClr val="accent1"/>
-            </a:solidFill>
-            <a:ln>
-              <a:noFill/>
-            </a:ln>
-            <a:effectLst/>
-          </c:spPr>
-          <c:invertIfNegative val="0"/>
-          <c:dPt>
-            <c:idx val="0"/>
-            <c:invertIfNegative val="0"/>
-            <c:bubble3D val="0"/>
-            <c:spPr>
-              <a:solidFill>
-                <a:srgbClr val="FF0000"/>
-              </a:solidFill>
-              <a:ln>
-                <a:noFill/>
-              </a:ln>
-              <a:effectLst/>
-            </c:spPr>
-            <c:extLst>
-              <c:ext xmlns:c16="http://schemas.microsoft.com/office/drawing/2014/chart" uri="{C3380CC4-5D6E-409C-BE32-E72D297353CC}">
-                <c16:uniqueId val="{00000004-3394-6E47-B22C-523352CDA332}"/>
-              </c:ext>
-            </c:extLst>
-          </c:dPt>
-          <c:cat>
-            <c:strRef>
-              <c:f>Sheet1!$A$2:$A$27</c:f>
-              <c:strCache>
-                <c:ptCount val="24"/>
-                <c:pt idx="0">
-                  <c:v>Day 1</c:v>
-                </c:pt>
-                <c:pt idx="1">
-                  <c:v>Day 2 </c:v>
-                </c:pt>
-                <c:pt idx="2">
-                  <c:v>Day 3</c:v>
-                </c:pt>
-                <c:pt idx="3">
-                  <c:v>Day 4</c:v>
-                </c:pt>
-                <c:pt idx="4">
-                  <c:v>Day 5</c:v>
-                </c:pt>
-                <c:pt idx="5">
-                  <c:v>Day 6</c:v>
-                </c:pt>
-                <c:pt idx="6">
-                  <c:v>Day 7</c:v>
-                </c:pt>
-                <c:pt idx="7">
-                  <c:v>Day 8</c:v>
-                </c:pt>
-                <c:pt idx="8">
-                  <c:v>Day 9</c:v>
-                </c:pt>
-                <c:pt idx="9">
-                  <c:v>Day 10</c:v>
-                </c:pt>
-                <c:pt idx="10">
-                  <c:v>Day 11</c:v>
-                </c:pt>
-                <c:pt idx="11">
-                  <c:v>Day 12</c:v>
-                </c:pt>
-                <c:pt idx="12">
-                  <c:v>Day 13</c:v>
-                </c:pt>
-                <c:pt idx="13">
-                  <c:v>Day 14</c:v>
-                </c:pt>
-                <c:pt idx="14">
-                  <c:v>Day 15</c:v>
-                </c:pt>
-                <c:pt idx="15">
-                  <c:v>Day 16</c:v>
-                </c:pt>
-                <c:pt idx="16">
-                  <c:v>Day 17</c:v>
-                </c:pt>
-                <c:pt idx="17">
-                  <c:v>Day 18</c:v>
-                </c:pt>
-                <c:pt idx="18">
-                  <c:v>Day 19</c:v>
-                </c:pt>
-                <c:pt idx="19">
-                  <c:v>Day 20</c:v>
-                </c:pt>
-                <c:pt idx="20">
-                  <c:v>Day 21</c:v>
-                </c:pt>
-                <c:pt idx="21">
-                  <c:v>Day 22</c:v>
-                </c:pt>
-                <c:pt idx="22">
-                  <c:v>Day 23</c:v>
-                </c:pt>
-                <c:pt idx="23">
-                  <c:v>Day 24</c:v>
-                </c:pt>
-              </c:strCache>
-            </c:strRef>
-          </c:cat>
-          <c:val>
-            <c:numRef>
-              <c:f>Sheet1!$B$2:$B$27</c:f>
-              <c:numCache>
-                <c:formatCode>General</c:formatCode>
-                <c:ptCount val="26"/>
-                <c:pt idx="0" formatCode="0">
-                  <c:v>19785</c:v>
-                </c:pt>
-                <c:pt idx="1">
-                  <c:v>25667</c:v>
-                </c:pt>
-              </c:numCache>
-            </c:numRef>
-          </c:val>
-          <c:extLst>
-            <c:ext xmlns:c16="http://schemas.microsoft.com/office/drawing/2014/chart" uri="{C3380CC4-5D6E-409C-BE32-E72D297353CC}">
-              <c16:uniqueId val="{00000000-3394-6E47-B22C-523352CDA332}"/>
-            </c:ext>
-          </c:extLst>
-        </c:ser>
-        <c:ser>
-          <c:idx val="1"/>
-          <c:order val="1"/>
-          <c:tx>
-            <c:strRef>
-              <c:f>Sheet1!$C$1</c:f>
-              <c:strCache>
-                <c:ptCount val="1"/>
-                <c:pt idx="0">
-                  <c:v>Week 2</c:v>
-                </c:pt>
-              </c:strCache>
-            </c:strRef>
-          </c:tx>
-          <c:spPr>
-            <a:solidFill>
-              <a:schemeClr val="bg1">
-                <a:lumMod val="75000"/>
-              </a:schemeClr>
-            </a:solidFill>
-            <a:ln>
-              <a:noFill/>
-            </a:ln>
-            <a:effectLst/>
-          </c:spPr>
-          <c:invertIfNegative val="0"/>
-          <c:cat>
-            <c:strRef>
-              <c:f>Sheet1!$A$2:$A$27</c:f>
-              <c:strCache>
-                <c:ptCount val="24"/>
-                <c:pt idx="0">
-                  <c:v>Day 1</c:v>
-                </c:pt>
-                <c:pt idx="1">
-                  <c:v>Day 2 </c:v>
-                </c:pt>
-                <c:pt idx="2">
-                  <c:v>Day 3</c:v>
-                </c:pt>
-                <c:pt idx="3">
-                  <c:v>Day 4</c:v>
-                </c:pt>
-                <c:pt idx="4">
-                  <c:v>Day 5</c:v>
-                </c:pt>
-                <c:pt idx="5">
-                  <c:v>Day 6</c:v>
-                </c:pt>
-                <c:pt idx="6">
-                  <c:v>Day 7</c:v>
-                </c:pt>
-                <c:pt idx="7">
-                  <c:v>Day 8</c:v>
-                </c:pt>
-                <c:pt idx="8">
-                  <c:v>Day 9</c:v>
-                </c:pt>
-                <c:pt idx="9">
-                  <c:v>Day 10</c:v>
-                </c:pt>
-                <c:pt idx="10">
-                  <c:v>Day 11</c:v>
-                </c:pt>
-                <c:pt idx="11">
-                  <c:v>Day 12</c:v>
-                </c:pt>
-                <c:pt idx="12">
-                  <c:v>Day 13</c:v>
-                </c:pt>
-                <c:pt idx="13">
-                  <c:v>Day 14</c:v>
-                </c:pt>
-                <c:pt idx="14">
-                  <c:v>Day 15</c:v>
-                </c:pt>
-                <c:pt idx="15">
-                  <c:v>Day 16</c:v>
-                </c:pt>
-                <c:pt idx="16">
-                  <c:v>Day 17</c:v>
-                </c:pt>
-                <c:pt idx="17">
-                  <c:v>Day 18</c:v>
-                </c:pt>
-                <c:pt idx="18">
-                  <c:v>Day 19</c:v>
-                </c:pt>
-                <c:pt idx="19">
-                  <c:v>Day 20</c:v>
-                </c:pt>
-                <c:pt idx="20">
-                  <c:v>Day 21</c:v>
-                </c:pt>
-                <c:pt idx="21">
-                  <c:v>Day 22</c:v>
-                </c:pt>
-                <c:pt idx="22">
-                  <c:v>Day 23</c:v>
-                </c:pt>
-                <c:pt idx="23">
-                  <c:v>Day 24</c:v>
-                </c:pt>
-              </c:strCache>
-            </c:strRef>
-          </c:cat>
-          <c:val>
-            <c:numRef>
-              <c:f>Sheet1!$C$2:$C$27</c:f>
-              <c:numCache>
-                <c:formatCode>0</c:formatCode>
-                <c:ptCount val="26"/>
-                <c:pt idx="0">
-                  <c:v>20774.25</c:v>
-                </c:pt>
-                <c:pt idx="1">
-                  <c:v>25899</c:v>
-                </c:pt>
-              </c:numCache>
-            </c:numRef>
-          </c:val>
-          <c:extLst>
-            <c:ext xmlns:c16="http://schemas.microsoft.com/office/drawing/2014/chart" uri="{C3380CC4-5D6E-409C-BE32-E72D297353CC}">
-              <c16:uniqueId val="{00000001-3394-6E47-B22C-523352CDA332}"/>
-            </c:ext>
-          </c:extLst>
-        </c:ser>
-        <c:ser>
-          <c:idx val="2"/>
-          <c:order val="2"/>
-          <c:tx>
-            <c:strRef>
-              <c:f>Sheet1!$D$1</c:f>
-              <c:strCache>
-                <c:ptCount val="1"/>
-                <c:pt idx="0">
-                  <c:v>Week 3</c:v>
-                </c:pt>
-              </c:strCache>
-            </c:strRef>
-          </c:tx>
-          <c:spPr>
-            <a:solidFill>
-              <a:schemeClr val="tx1"/>
-            </a:solidFill>
-            <a:ln>
-              <a:noFill/>
-            </a:ln>
-            <a:effectLst/>
-          </c:spPr>
-          <c:invertIfNegative val="0"/>
-          <c:cat>
-            <c:strRef>
-              <c:f>Sheet1!$A$2:$A$27</c:f>
-              <c:strCache>
-                <c:ptCount val="24"/>
-                <c:pt idx="0">
-                  <c:v>Day 1</c:v>
-                </c:pt>
-                <c:pt idx="1">
-                  <c:v>Day 2 </c:v>
-                </c:pt>
-                <c:pt idx="2">
-                  <c:v>Day 3</c:v>
-                </c:pt>
-                <c:pt idx="3">
-                  <c:v>Day 4</c:v>
-                </c:pt>
-                <c:pt idx="4">
-                  <c:v>Day 5</c:v>
-                </c:pt>
-                <c:pt idx="5">
-                  <c:v>Day 6</c:v>
-                </c:pt>
-                <c:pt idx="6">
-                  <c:v>Day 7</c:v>
-                </c:pt>
-                <c:pt idx="7">
-                  <c:v>Day 8</c:v>
-                </c:pt>
-                <c:pt idx="8">
-                  <c:v>Day 9</c:v>
-                </c:pt>
-                <c:pt idx="9">
-                  <c:v>Day 10</c:v>
-                </c:pt>
-                <c:pt idx="10">
-                  <c:v>Day 11</c:v>
-                </c:pt>
-                <c:pt idx="11">
-                  <c:v>Day 12</c:v>
-                </c:pt>
-                <c:pt idx="12">
-                  <c:v>Day 13</c:v>
-                </c:pt>
-                <c:pt idx="13">
-                  <c:v>Day 14</c:v>
-                </c:pt>
-                <c:pt idx="14">
-                  <c:v>Day 15</c:v>
-                </c:pt>
-                <c:pt idx="15">
-                  <c:v>Day 16</c:v>
-                </c:pt>
-                <c:pt idx="16">
-                  <c:v>Day 17</c:v>
-                </c:pt>
-                <c:pt idx="17">
-                  <c:v>Day 18</c:v>
-                </c:pt>
-                <c:pt idx="18">
-                  <c:v>Day 19</c:v>
-                </c:pt>
-                <c:pt idx="19">
-                  <c:v>Day 20</c:v>
-                </c:pt>
-                <c:pt idx="20">
-                  <c:v>Day 21</c:v>
-                </c:pt>
-                <c:pt idx="21">
-                  <c:v>Day 22</c:v>
-                </c:pt>
-                <c:pt idx="22">
-                  <c:v>Day 23</c:v>
-                </c:pt>
-                <c:pt idx="23">
-                  <c:v>Day 24</c:v>
-                </c:pt>
-              </c:strCache>
-            </c:strRef>
-          </c:cat>
-          <c:val>
-            <c:numRef>
-              <c:f>Sheet1!$D$2:$D$27</c:f>
-              <c:numCache>
-                <c:formatCode>0</c:formatCode>
-                <c:ptCount val="26"/>
-                <c:pt idx="0">
-                  <c:v>19199.5</c:v>
-                </c:pt>
-                <c:pt idx="1">
-                  <c:v>26011</c:v>
-                </c:pt>
-              </c:numCache>
-            </c:numRef>
-          </c:val>
-          <c:extLst>
-            <c:ext xmlns:c16="http://schemas.microsoft.com/office/drawing/2014/chart" uri="{C3380CC4-5D6E-409C-BE32-E72D297353CC}">
-              <c16:uniqueId val="{00000002-3394-6E47-B22C-523352CDA332}"/>
-            </c:ext>
-          </c:extLst>
-        </c:ser>
-        <c:ser>
-          <c:idx val="3"/>
-          <c:order val="3"/>
-          <c:tx>
-            <c:strRef>
-              <c:f>Sheet1!$E$1</c:f>
-              <c:strCache>
-                <c:ptCount val="1"/>
-                <c:pt idx="0">
-                  <c:v>Week 4</c:v>
-                </c:pt>
-              </c:strCache>
-            </c:strRef>
-          </c:tx>
-          <c:spPr>
-            <a:solidFill>
-              <a:schemeClr val="bg1">
-                <a:lumMod val="85000"/>
-              </a:schemeClr>
-            </a:solidFill>
-            <a:ln>
-              <a:noFill/>
-            </a:ln>
-            <a:effectLst/>
-          </c:spPr>
-          <c:invertIfNegative val="0"/>
-          <c:cat>
-            <c:strRef>
-              <c:f>Sheet1!$A$2:$A$27</c:f>
-              <c:strCache>
-                <c:ptCount val="24"/>
-                <c:pt idx="0">
-                  <c:v>Day 1</c:v>
-                </c:pt>
-                <c:pt idx="1">
-                  <c:v>Day 2 </c:v>
-                </c:pt>
-                <c:pt idx="2">
-                  <c:v>Day 3</c:v>
-                </c:pt>
-                <c:pt idx="3">
-                  <c:v>Day 4</c:v>
-                </c:pt>
-                <c:pt idx="4">
-                  <c:v>Day 5</c:v>
-                </c:pt>
-                <c:pt idx="5">
-                  <c:v>Day 6</c:v>
-                </c:pt>
-                <c:pt idx="6">
-                  <c:v>Day 7</c:v>
-                </c:pt>
-                <c:pt idx="7">
-                  <c:v>Day 8</c:v>
-                </c:pt>
-                <c:pt idx="8">
-                  <c:v>Day 9</c:v>
-                </c:pt>
-                <c:pt idx="9">
-                  <c:v>Day 10</c:v>
-                </c:pt>
-                <c:pt idx="10">
-                  <c:v>Day 11</c:v>
-                </c:pt>
-                <c:pt idx="11">
-                  <c:v>Day 12</c:v>
-                </c:pt>
-                <c:pt idx="12">
-                  <c:v>Day 13</c:v>
-                </c:pt>
-                <c:pt idx="13">
-                  <c:v>Day 14</c:v>
-                </c:pt>
-                <c:pt idx="14">
-                  <c:v>Day 15</c:v>
-                </c:pt>
-                <c:pt idx="15">
-                  <c:v>Day 16</c:v>
-                </c:pt>
-                <c:pt idx="16">
-                  <c:v>Day 17</c:v>
-                </c:pt>
-                <c:pt idx="17">
-                  <c:v>Day 18</c:v>
-                </c:pt>
-                <c:pt idx="18">
-                  <c:v>Day 19</c:v>
-                </c:pt>
-                <c:pt idx="19">
-                  <c:v>Day 20</c:v>
-                </c:pt>
-                <c:pt idx="20">
-                  <c:v>Day 21</c:v>
-                </c:pt>
-                <c:pt idx="21">
-                  <c:v>Day 22</c:v>
-                </c:pt>
-                <c:pt idx="22">
-                  <c:v>Day 23</c:v>
-                </c:pt>
-                <c:pt idx="23">
-                  <c:v>Day 24</c:v>
-                </c:pt>
-              </c:strCache>
-            </c:strRef>
-          </c:cat>
-          <c:val>
-            <c:numRef>
-              <c:f>Sheet1!$E$2:$E$27</c:f>
-              <c:numCache>
-                <c:formatCode>0</c:formatCode>
-                <c:ptCount val="26"/>
-                <c:pt idx="0">
-                  <c:v>21763.5</c:v>
-                </c:pt>
-                <c:pt idx="1">
-                  <c:v>26201</c:v>
-                </c:pt>
-              </c:numCache>
-            </c:numRef>
-          </c:val>
-          <c:extLst>
-            <c:ext xmlns:c16="http://schemas.microsoft.com/office/drawing/2014/chart" uri="{C3380CC4-5D6E-409C-BE32-E72D297353CC}">
-              <c16:uniqueId val="{00000003-3394-6E47-B22C-523352CDA332}"/>
-            </c:ext>
-          </c:extLst>
-        </c:ser>
-        <c:dLbls>
-          <c:showLegendKey val="0"/>
-          <c:showVal val="0"/>
-          <c:showCatName val="0"/>
-          <c:showSerName val="0"/>
-          <c:showPercent val="0"/>
-          <c:showBubbleSize val="0"/>
-        </c:dLbls>
-        <c:gapWidth val="219"/>
-        <c:overlap val="100"/>
-        <c:axId val="2135357312"/>
-        <c:axId val="2113172368"/>
-      </c:barChart>
-      <c:catAx>
-        <c:axId val="2135357312"/>
-        <c:scaling>
-          <c:orientation val="minMax"/>
-        </c:scaling>
-        <c:delete val="0"/>
-        <c:axPos val="b"/>
-        <c:numFmt formatCode="General" sourceLinked="1"/>
-        <c:majorTickMark val="none"/>
-        <c:minorTickMark val="none"/>
-        <c:tickLblPos val="nextTo"/>
-        <c:spPr>
-          <a:noFill/>
-          <a:ln w="9525" cap="flat" cmpd="sng" algn="ctr">
-            <a:solidFill>
-              <a:schemeClr val="tx1">
-                <a:lumMod val="15000"/>
-                <a:lumOff val="85000"/>
-              </a:schemeClr>
-            </a:solidFill>
-            <a:round/>
-          </a:ln>
-          <a:effectLst/>
-        </c:spPr>
-        <c:txPr>
-          <a:bodyPr rot="-60000000" spcFirstLastPara="1" vertOverflow="ellipsis" vert="horz" wrap="square" anchor="ctr" anchorCtr="1"/>
-          <a:lstStyle/>
-          <a:p>
-            <a:pPr>
-              <a:defRPr sz="1197" b="0" i="0" u="none" strike="noStrike" kern="1200" baseline="0">
-                <a:solidFill>
-                  <a:schemeClr val="tx1">
-                    <a:lumMod val="65000"/>
-                    <a:lumOff val="35000"/>
-                  </a:schemeClr>
-                </a:solidFill>
-                <a:latin typeface="+mn-lt"/>
-                <a:ea typeface="+mn-ea"/>
-                <a:cs typeface="+mn-cs"/>
-              </a:defRPr>
-            </a:pPr>
-            <a:endParaRPr lang="en-US"/>
-          </a:p>
-        </c:txPr>
-        <c:crossAx val="2113172368"/>
-        <c:crosses val="autoZero"/>
-        <c:auto val="1"/>
-        <c:lblAlgn val="ctr"/>
-        <c:lblOffset val="100"/>
-        <c:noMultiLvlLbl val="0"/>
-      </c:catAx>
-      <c:valAx>
-        <c:axId val="2113172368"/>
-        <c:scaling>
-          <c:orientation val="minMax"/>
-        </c:scaling>
-        <c:delete val="0"/>
-        <c:axPos val="l"/>
-        <c:majorGridlines>
-          <c:spPr>
-            <a:ln w="9525" cap="flat" cmpd="sng" algn="ctr">
-              <a:solidFill>
-                <a:schemeClr val="tx1">
-                  <a:lumMod val="15000"/>
-                  <a:lumOff val="85000"/>
-                </a:schemeClr>
-              </a:solidFill>
-              <a:round/>
-            </a:ln>
-            <a:effectLst/>
-          </c:spPr>
-        </c:majorGridlines>
-        <c:numFmt formatCode="0" sourceLinked="1"/>
-        <c:majorTickMark val="none"/>
-        <c:minorTickMark val="none"/>
-        <c:tickLblPos val="nextTo"/>
-        <c:spPr>
-          <a:noFill/>
-          <a:ln>
-            <a:noFill/>
-          </a:ln>
-          <a:effectLst/>
-        </c:spPr>
-        <c:txPr>
-          <a:bodyPr rot="-60000000" spcFirstLastPara="1" vertOverflow="ellipsis" vert="horz" wrap="square" anchor="ctr" anchorCtr="1"/>
-          <a:lstStyle/>
-          <a:p>
-            <a:pPr>
-              <a:defRPr sz="1197" b="0" i="0" u="none" strike="noStrike" kern="1200" baseline="0">
-                <a:solidFill>
-                  <a:schemeClr val="tx1">
-                    <a:lumMod val="65000"/>
-                    <a:lumOff val="35000"/>
-                  </a:schemeClr>
-                </a:solidFill>
-                <a:latin typeface="+mn-lt"/>
-                <a:ea typeface="+mn-ea"/>
-                <a:cs typeface="+mn-cs"/>
-              </a:defRPr>
-            </a:pPr>
-            <a:endParaRPr lang="en-US"/>
-          </a:p>
-        </c:txPr>
-        <c:crossAx val="2135357312"/>
-        <c:crosses val="autoZero"/>
-        <c:crossBetween val="between"/>
-      </c:valAx>
-      <c:spPr>
-        <a:noFill/>
-        <a:ln>
-          <a:noFill/>
-        </a:ln>
-        <a:effectLst/>
-      </c:spPr>
-    </c:plotArea>
-    <c:legend>
-      <c:legendPos val="b"/>
-      <c:overlay val="0"/>
-      <c:spPr>
-        <a:noFill/>
-        <a:ln>
-          <a:noFill/>
-        </a:ln>
-        <a:effectLst/>
-      </c:spPr>
-      <c:txPr>
-        <a:bodyPr rot="0" spcFirstLastPara="1" vertOverflow="ellipsis" vert="horz" wrap="square" anchor="ctr" anchorCtr="1"/>
-        <a:lstStyle/>
-        <a:p>
-          <a:pPr>
-            <a:defRPr sz="1197" b="0" i="0" u="none" strike="noStrike" kern="1200" baseline="0">
-              <a:solidFill>
-                <a:schemeClr val="tx1">
-                  <a:lumMod val="65000"/>
-                  <a:lumOff val="35000"/>
-                </a:schemeClr>
-              </a:solidFill>
-              <a:latin typeface="+mn-lt"/>
-              <a:ea typeface="+mn-ea"/>
-              <a:cs typeface="+mn-cs"/>
-            </a:defRPr>
-          </a:pPr>
-          <a:endParaRPr lang="en-US"/>
-        </a:p>
-      </c:txPr>
-    </c:legend>
-    <c:plotVisOnly val="1"/>
-    <c:dispBlanksAs val="gap"/>
-    <c:extLst>
-      <c:ext xmlns:c16r3="http://schemas.microsoft.com/office/drawing/2017/03/chart" uri="{56B9EC1D-385E-4148-901F-78D8002777C0}">
-        <c16r3:dataDisplayOptions16>
-          <c16r3:dispNaAsBlank val="1"/>
-        </c16r3:dataDisplayOptions16>
-      </c:ext>
-    </c:extLst>
-    <c:showDLblsOverMax val="0"/>
-  </c:chart>
-  <c:spPr>
-    <a:noFill/>
-    <a:ln>
-      <a:noFill/>
-    </a:ln>
-    <a:effectLst/>
-  </c:spPr>
-  <c:txPr>
-    <a:bodyPr/>
-    <a:lstStyle/>
-    <a:p>
-      <a:pPr>
-        <a:defRPr/>
-      </a:pPr>
-      <a:endParaRPr lang="en-US"/>
-    </a:p>
-  </c:txPr>
-  <c:externalData r:id="rId3">
-    <c:autoUpdate val="0"/>
-  </c:externalData>
-</c:chartSpace>
-</file>
-
 <file path=ppt/charts/colors1.xml><?xml version="1.0" encoding="utf-8"?>
-<cs:colorStyle xmlns:cs="http://schemas.microsoft.com/office/drawing/2012/chartStyle" xmlns:a="http://schemas.openxmlformats.org/drawingml/2006/main" meth="cycle" id="10">
-  <a:schemeClr val="accent1"/>
-  <a:schemeClr val="accent2"/>
-  <a:schemeClr val="accent3"/>
-  <a:schemeClr val="accent4"/>
-  <a:schemeClr val="accent5"/>
-  <a:schemeClr val="accent6"/>
-  <cs:variation/>
-  <cs:variation>
-    <a:lumMod val="60000"/>
-  </cs:variation>
-  <cs:variation>
-    <a:lumMod val="80000"/>
-    <a:lumOff val="20000"/>
-  </cs:variation>
-  <cs:variation>
-    <a:lumMod val="80000"/>
-  </cs:variation>
-  <cs:variation>
-    <a:lumMod val="60000"/>
-    <a:lumOff val="40000"/>
-  </cs:variation>
-  <cs:variation>
-    <a:lumMod val="50000"/>
-  </cs:variation>
-  <cs:variation>
-    <a:lumMod val="70000"/>
-    <a:lumOff val="30000"/>
-  </cs:variation>
-  <cs:variation>
-    <a:lumMod val="70000"/>
-  </cs:variation>
-  <cs:variation>
-    <a:lumMod val="50000"/>
-    <a:lumOff val="50000"/>
-  </cs:variation>
-</cs:colorStyle>
-</file>
-
-<file path=ppt/charts/colors2.xml><?xml version="1.0" encoding="utf-8"?>
 <cs:colorStyle xmlns:cs="http://schemas.microsoft.com/office/drawing/2012/chartStyle" xmlns:a="http://schemas.openxmlformats.org/drawingml/2006/main" meth="cycle" id="10">
   <a:schemeClr val="accent1"/>
   <a:schemeClr val="accent2"/>
@@ -2293,509 +1455,6 @@
 </cs:chartStyle>
 </file>
 
-<file path=ppt/charts/style2.xml><?xml version="1.0" encoding="utf-8"?>
-<cs:chartStyle xmlns:cs="http://schemas.microsoft.com/office/drawing/2012/chartStyle" xmlns:a="http://schemas.openxmlformats.org/drawingml/2006/main" id="201">
-  <cs:axisTitle>
-    <cs:lnRef idx="0"/>
-    <cs:fillRef idx="0"/>
-    <cs:effectRef idx="0"/>
-    <cs:fontRef idx="minor">
-      <a:schemeClr val="tx1">
-        <a:lumMod val="65000"/>
-        <a:lumOff val="35000"/>
-      </a:schemeClr>
-    </cs:fontRef>
-    <cs:defRPr sz="1330" kern="1200"/>
-  </cs:axisTitle>
-  <cs:categoryAxis>
-    <cs:lnRef idx="0"/>
-    <cs:fillRef idx="0"/>
-    <cs:effectRef idx="0"/>
-    <cs:fontRef idx="minor">
-      <a:schemeClr val="tx1">
-        <a:lumMod val="65000"/>
-        <a:lumOff val="35000"/>
-      </a:schemeClr>
-    </cs:fontRef>
-    <cs:spPr>
-      <a:ln w="9525" cap="flat" cmpd="sng" algn="ctr">
-        <a:solidFill>
-          <a:schemeClr val="tx1">
-            <a:lumMod val="15000"/>
-            <a:lumOff val="85000"/>
-          </a:schemeClr>
-        </a:solidFill>
-        <a:round/>
-      </a:ln>
-    </cs:spPr>
-    <cs:defRPr sz="1197" kern="1200"/>
-  </cs:categoryAxis>
-  <cs:chartArea mods="allowNoFillOverride allowNoLineOverride">
-    <cs:lnRef idx="0"/>
-    <cs:fillRef idx="0"/>
-    <cs:effectRef idx="0"/>
-    <cs:fontRef idx="minor">
-      <a:schemeClr val="tx1"/>
-    </cs:fontRef>
-    <cs:spPr>
-      <a:solidFill>
-        <a:schemeClr val="bg1"/>
-      </a:solidFill>
-      <a:ln w="9525" cap="flat" cmpd="sng" algn="ctr">
-        <a:solidFill>
-          <a:schemeClr val="tx1">
-            <a:lumMod val="15000"/>
-            <a:lumOff val="85000"/>
-          </a:schemeClr>
-        </a:solidFill>
-        <a:round/>
-      </a:ln>
-    </cs:spPr>
-    <cs:defRPr sz="1330" kern="1200"/>
-  </cs:chartArea>
-  <cs:dataLabel>
-    <cs:lnRef idx="0"/>
-    <cs:fillRef idx="0"/>
-    <cs:effectRef idx="0"/>
-    <cs:fontRef idx="minor">
-      <a:schemeClr val="tx1">
-        <a:lumMod val="75000"/>
-        <a:lumOff val="25000"/>
-      </a:schemeClr>
-    </cs:fontRef>
-    <cs:defRPr sz="1197" kern="1200"/>
-  </cs:dataLabel>
-  <cs:dataLabelCallout>
-    <cs:lnRef idx="0"/>
-    <cs:fillRef idx="0"/>
-    <cs:effectRef idx="0"/>
-    <cs:fontRef idx="minor">
-      <a:schemeClr val="dk1">
-        <a:lumMod val="65000"/>
-        <a:lumOff val="35000"/>
-      </a:schemeClr>
-    </cs:fontRef>
-    <cs:spPr>
-      <a:solidFill>
-        <a:schemeClr val="lt1"/>
-      </a:solidFill>
-      <a:ln>
-        <a:solidFill>
-          <a:schemeClr val="dk1">
-            <a:lumMod val="25000"/>
-            <a:lumOff val="75000"/>
-          </a:schemeClr>
-        </a:solidFill>
-      </a:ln>
-    </cs:spPr>
-    <cs:defRPr sz="1197" kern="1200"/>
-    <cs:bodyPr rot="0" spcFirstLastPara="1" vertOverflow="clip" horzOverflow="clip" vert="horz" wrap="square" lIns="36576" tIns="18288" rIns="36576" bIns="18288" anchor="ctr" anchorCtr="1">
-      <a:spAutoFit/>
-    </cs:bodyPr>
-  </cs:dataLabelCallout>
-  <cs:dataPoint>
-    <cs:lnRef idx="0"/>
-    <cs:fillRef idx="1">
-      <cs:styleClr val="auto"/>
-    </cs:fillRef>
-    <cs:effectRef idx="0"/>
-    <cs:fontRef idx="minor">
-      <a:schemeClr val="tx1"/>
-    </cs:fontRef>
-  </cs:dataPoint>
-  <cs:dataPoint3D>
-    <cs:lnRef idx="0"/>
-    <cs:fillRef idx="1">
-      <cs:styleClr val="auto"/>
-    </cs:fillRef>
-    <cs:effectRef idx="0"/>
-    <cs:fontRef idx="minor">
-      <a:schemeClr val="tx1"/>
-    </cs:fontRef>
-  </cs:dataPoint3D>
-  <cs:dataPointLine>
-    <cs:lnRef idx="0">
-      <cs:styleClr val="auto"/>
-    </cs:lnRef>
-    <cs:fillRef idx="1"/>
-    <cs:effectRef idx="0"/>
-    <cs:fontRef idx="minor">
-      <a:schemeClr val="tx1"/>
-    </cs:fontRef>
-    <cs:spPr>
-      <a:ln w="28575" cap="rnd">
-        <a:solidFill>
-          <a:schemeClr val="phClr"/>
-        </a:solidFill>
-        <a:round/>
-      </a:ln>
-    </cs:spPr>
-  </cs:dataPointLine>
-  <cs:dataPointMarker>
-    <cs:lnRef idx="0">
-      <cs:styleClr val="auto"/>
-    </cs:lnRef>
-    <cs:fillRef idx="1">
-      <cs:styleClr val="auto"/>
-    </cs:fillRef>
-    <cs:effectRef idx="0"/>
-    <cs:fontRef idx="minor">
-      <a:schemeClr val="tx1"/>
-    </cs:fontRef>
-    <cs:spPr>
-      <a:ln w="9525">
-        <a:solidFill>
-          <a:schemeClr val="phClr"/>
-        </a:solidFill>
-      </a:ln>
-    </cs:spPr>
-  </cs:dataPointMarker>
-  <cs:dataPointMarkerLayout symbol="circle" size="5"/>
-  <cs:dataPointWireframe>
-    <cs:lnRef idx="0">
-      <cs:styleClr val="auto"/>
-    </cs:lnRef>
-    <cs:fillRef idx="1"/>
-    <cs:effectRef idx="0"/>
-    <cs:fontRef idx="minor">
-      <a:schemeClr val="tx1"/>
-    </cs:fontRef>
-    <cs:spPr>
-      <a:ln w="9525" cap="rnd">
-        <a:solidFill>
-          <a:schemeClr val="phClr"/>
-        </a:solidFill>
-        <a:round/>
-      </a:ln>
-    </cs:spPr>
-  </cs:dataPointWireframe>
-  <cs:dataTable>
-    <cs:lnRef idx="0"/>
-    <cs:fillRef idx="0"/>
-    <cs:effectRef idx="0"/>
-    <cs:fontRef idx="minor">
-      <a:schemeClr val="tx1">
-        <a:lumMod val="65000"/>
-        <a:lumOff val="35000"/>
-      </a:schemeClr>
-    </cs:fontRef>
-    <cs:spPr>
-      <a:noFill/>
-      <a:ln w="9525" cap="flat" cmpd="sng" algn="ctr">
-        <a:solidFill>
-          <a:schemeClr val="tx1">
-            <a:lumMod val="15000"/>
-            <a:lumOff val="85000"/>
-          </a:schemeClr>
-        </a:solidFill>
-        <a:round/>
-      </a:ln>
-    </cs:spPr>
-    <cs:defRPr sz="1197" kern="1200"/>
-  </cs:dataTable>
-  <cs:downBar>
-    <cs:lnRef idx="0"/>
-    <cs:fillRef idx="0"/>
-    <cs:effectRef idx="0"/>
-    <cs:fontRef idx="minor">
-      <a:schemeClr val="dk1"/>
-    </cs:fontRef>
-    <cs:spPr>
-      <a:solidFill>
-        <a:schemeClr val="dk1">
-          <a:lumMod val="65000"/>
-          <a:lumOff val="35000"/>
-        </a:schemeClr>
-      </a:solidFill>
-      <a:ln w="9525">
-        <a:solidFill>
-          <a:schemeClr val="tx1">
-            <a:lumMod val="65000"/>
-            <a:lumOff val="35000"/>
-          </a:schemeClr>
-        </a:solidFill>
-      </a:ln>
-    </cs:spPr>
-  </cs:downBar>
-  <cs:dropLine>
-    <cs:lnRef idx="0"/>
-    <cs:fillRef idx="0"/>
-    <cs:effectRef idx="0"/>
-    <cs:fontRef idx="minor">
-      <a:schemeClr val="tx1"/>
-    </cs:fontRef>
-    <cs:spPr>
-      <a:ln w="9525" cap="flat" cmpd="sng" algn="ctr">
-        <a:solidFill>
-          <a:schemeClr val="tx1">
-            <a:lumMod val="35000"/>
-            <a:lumOff val="65000"/>
-          </a:schemeClr>
-        </a:solidFill>
-        <a:round/>
-      </a:ln>
-    </cs:spPr>
-  </cs:dropLine>
-  <cs:errorBar>
-    <cs:lnRef idx="0"/>
-    <cs:fillRef idx="0"/>
-    <cs:effectRef idx="0"/>
-    <cs:fontRef idx="minor">
-      <a:schemeClr val="tx1"/>
-    </cs:fontRef>
-    <cs:spPr>
-      <a:ln w="9525" cap="flat" cmpd="sng" algn="ctr">
-        <a:solidFill>
-          <a:schemeClr val="tx1">
-            <a:lumMod val="65000"/>
-            <a:lumOff val="35000"/>
-          </a:schemeClr>
-        </a:solidFill>
-        <a:round/>
-      </a:ln>
-    </cs:spPr>
-  </cs:errorBar>
-  <cs:floor>
-    <cs:lnRef idx="0"/>
-    <cs:fillRef idx="0"/>
-    <cs:effectRef idx="0"/>
-    <cs:fontRef idx="minor">
-      <a:schemeClr val="tx1"/>
-    </cs:fontRef>
-    <cs:spPr>
-      <a:noFill/>
-      <a:ln>
-        <a:noFill/>
-      </a:ln>
-    </cs:spPr>
-  </cs:floor>
-  <cs:gridlineMajor>
-    <cs:lnRef idx="0"/>
-    <cs:fillRef idx="0"/>
-    <cs:effectRef idx="0"/>
-    <cs:fontRef idx="minor">
-      <a:schemeClr val="tx1"/>
-    </cs:fontRef>
-    <cs:spPr>
-      <a:ln w="9525" cap="flat" cmpd="sng" algn="ctr">
-        <a:solidFill>
-          <a:schemeClr val="tx1">
-            <a:lumMod val="15000"/>
-            <a:lumOff val="85000"/>
-          </a:schemeClr>
-        </a:solidFill>
-        <a:round/>
-      </a:ln>
-    </cs:spPr>
-  </cs:gridlineMajor>
-  <cs:gridlineMinor>
-    <cs:lnRef idx="0"/>
-    <cs:fillRef idx="0"/>
-    <cs:effectRef idx="0"/>
-    <cs:fontRef idx="minor">
-      <a:schemeClr val="tx1"/>
-    </cs:fontRef>
-    <cs:spPr>
-      <a:ln w="9525" cap="flat" cmpd="sng" algn="ctr">
-        <a:solidFill>
-          <a:schemeClr val="tx1">
-            <a:lumMod val="5000"/>
-            <a:lumOff val="95000"/>
-          </a:schemeClr>
-        </a:solidFill>
-        <a:round/>
-      </a:ln>
-    </cs:spPr>
-  </cs:gridlineMinor>
-  <cs:hiLoLine>
-    <cs:lnRef idx="0"/>
-    <cs:fillRef idx="0"/>
-    <cs:effectRef idx="0"/>
-    <cs:fontRef idx="minor">
-      <a:schemeClr val="tx1"/>
-    </cs:fontRef>
-    <cs:spPr>
-      <a:ln w="9525" cap="flat" cmpd="sng" algn="ctr">
-        <a:solidFill>
-          <a:schemeClr val="tx1">
-            <a:lumMod val="75000"/>
-            <a:lumOff val="25000"/>
-          </a:schemeClr>
-        </a:solidFill>
-        <a:round/>
-      </a:ln>
-    </cs:spPr>
-  </cs:hiLoLine>
-  <cs:leaderLine>
-    <cs:lnRef idx="0"/>
-    <cs:fillRef idx="0"/>
-    <cs:effectRef idx="0"/>
-    <cs:fontRef idx="minor">
-      <a:schemeClr val="tx1"/>
-    </cs:fontRef>
-    <cs:spPr>
-      <a:ln w="9525" cap="flat" cmpd="sng" algn="ctr">
-        <a:solidFill>
-          <a:schemeClr val="tx1">
-            <a:lumMod val="35000"/>
-            <a:lumOff val="65000"/>
-          </a:schemeClr>
-        </a:solidFill>
-        <a:round/>
-      </a:ln>
-    </cs:spPr>
-  </cs:leaderLine>
-  <cs:legend>
-    <cs:lnRef idx="0"/>
-    <cs:fillRef idx="0"/>
-    <cs:effectRef idx="0"/>
-    <cs:fontRef idx="minor">
-      <a:schemeClr val="tx1">
-        <a:lumMod val="65000"/>
-        <a:lumOff val="35000"/>
-      </a:schemeClr>
-    </cs:fontRef>
-    <cs:defRPr sz="1197" kern="1200"/>
-  </cs:legend>
-  <cs:plotArea mods="allowNoFillOverride allowNoLineOverride">
-    <cs:lnRef idx="0"/>
-    <cs:fillRef idx="0"/>
-    <cs:effectRef idx="0"/>
-    <cs:fontRef idx="minor">
-      <a:schemeClr val="tx1"/>
-    </cs:fontRef>
-  </cs:plotArea>
-  <cs:plotArea3D mods="allowNoFillOverride allowNoLineOverride">
-    <cs:lnRef idx="0"/>
-    <cs:fillRef idx="0"/>
-    <cs:effectRef idx="0"/>
-    <cs:fontRef idx="minor">
-      <a:schemeClr val="tx1"/>
-    </cs:fontRef>
-  </cs:plotArea3D>
-  <cs:seriesAxis>
-    <cs:lnRef idx="0"/>
-    <cs:fillRef idx="0"/>
-    <cs:effectRef idx="0"/>
-    <cs:fontRef idx="minor">
-      <a:schemeClr val="tx1">
-        <a:lumMod val="65000"/>
-        <a:lumOff val="35000"/>
-      </a:schemeClr>
-    </cs:fontRef>
-    <cs:defRPr sz="1197" kern="1200"/>
-  </cs:seriesAxis>
-  <cs:seriesLine>
-    <cs:lnRef idx="0"/>
-    <cs:fillRef idx="0"/>
-    <cs:effectRef idx="0"/>
-    <cs:fontRef idx="minor">
-      <a:schemeClr val="tx1"/>
-    </cs:fontRef>
-    <cs:spPr>
-      <a:ln w="9525" cap="flat" cmpd="sng" algn="ctr">
-        <a:solidFill>
-          <a:schemeClr val="tx1">
-            <a:lumMod val="35000"/>
-            <a:lumOff val="65000"/>
-          </a:schemeClr>
-        </a:solidFill>
-        <a:round/>
-      </a:ln>
-    </cs:spPr>
-  </cs:seriesLine>
-  <cs:title>
-    <cs:lnRef idx="0"/>
-    <cs:fillRef idx="0"/>
-    <cs:effectRef idx="0"/>
-    <cs:fontRef idx="minor">
-      <a:schemeClr val="tx1">
-        <a:lumMod val="65000"/>
-        <a:lumOff val="35000"/>
-      </a:schemeClr>
-    </cs:fontRef>
-    <cs:defRPr sz="1862" b="0" kern="1200" spc="0" baseline="0"/>
-  </cs:title>
-  <cs:trendline>
-    <cs:lnRef idx="0">
-      <cs:styleClr val="auto"/>
-    </cs:lnRef>
-    <cs:fillRef idx="0"/>
-    <cs:effectRef idx="0"/>
-    <cs:fontRef idx="minor">
-      <a:schemeClr val="tx1"/>
-    </cs:fontRef>
-    <cs:spPr>
-      <a:ln w="19050" cap="rnd">
-        <a:solidFill>
-          <a:schemeClr val="phClr"/>
-        </a:solidFill>
-        <a:prstDash val="sysDot"/>
-      </a:ln>
-    </cs:spPr>
-  </cs:trendline>
-  <cs:trendlineLabel>
-    <cs:lnRef idx="0"/>
-    <cs:fillRef idx="0"/>
-    <cs:effectRef idx="0"/>
-    <cs:fontRef idx="minor">
-      <a:schemeClr val="tx1">
-        <a:lumMod val="65000"/>
-        <a:lumOff val="35000"/>
-      </a:schemeClr>
-    </cs:fontRef>
-    <cs:defRPr sz="1197" kern="1200"/>
-  </cs:trendlineLabel>
-  <cs:upBar>
-    <cs:lnRef idx="0"/>
-    <cs:fillRef idx="0"/>
-    <cs:effectRef idx="0"/>
-    <cs:fontRef idx="minor">
-      <a:schemeClr val="dk1"/>
-    </cs:fontRef>
-    <cs:spPr>
-      <a:solidFill>
-        <a:schemeClr val="lt1"/>
-      </a:solidFill>
-      <a:ln w="9525">
-        <a:solidFill>
-          <a:schemeClr val="tx1">
-            <a:lumMod val="15000"/>
-            <a:lumOff val="85000"/>
-          </a:schemeClr>
-        </a:solidFill>
-      </a:ln>
-    </cs:spPr>
-  </cs:upBar>
-  <cs:valueAxis>
-    <cs:lnRef idx="0"/>
-    <cs:fillRef idx="0"/>
-    <cs:effectRef idx="0"/>
-    <cs:fontRef idx="minor">
-      <a:schemeClr val="tx1">
-        <a:lumMod val="65000"/>
-        <a:lumOff val="35000"/>
-      </a:schemeClr>
-    </cs:fontRef>
-    <cs:defRPr sz="1197" kern="1200"/>
-  </cs:valueAxis>
-  <cs:wall>
-    <cs:lnRef idx="0"/>
-    <cs:fillRef idx="0"/>
-    <cs:effectRef idx="0"/>
-    <cs:fontRef idx="minor">
-      <a:schemeClr val="tx1"/>
-    </cs:fontRef>
-    <cs:spPr>
-      <a:noFill/>
-      <a:ln>
-        <a:noFill/>
-      </a:ln>
-    </cs:spPr>
-  </cs:wall>
-</cs:chartStyle>
-</file>
-
 <file path=ppt/notesMasters/notesMaster1.xml><?xml version="1.0" encoding="utf-8"?>
 <p:notesMaster xmlns:a="http://schemas.openxmlformats.org/drawingml/2006/main" xmlns:r="http://schemas.openxmlformats.org/officeDocument/2006/relationships" xmlns:p="http://schemas.openxmlformats.org/presentationml/2006/main">
   <p:cSld>
@@ -9188,7 +7847,7 @@
         </p:nvSpPr>
         <p:spPr>
           <a:xfrm>
-            <a:off x="4796324" y="3067637"/>
+            <a:off x="4796324" y="2980225"/>
             <a:ext cx="1503023" cy="646331"/>
           </a:xfrm>
           <a:prstGeom prst="rect">
@@ -9246,7 +7905,7 @@
         </p:nvSpPr>
         <p:spPr>
           <a:xfrm>
-            <a:off x="1422126" y="3820228"/>
+            <a:off x="1422126" y="3732816"/>
             <a:ext cx="3328416" cy="369332"/>
           </a:xfrm>
           <a:prstGeom prst="rect">
@@ -9362,7 +8021,7 @@
         </p:nvSpPr>
         <p:spPr>
           <a:xfrm>
-            <a:off x="1422123" y="4663471"/>
+            <a:off x="1422123" y="4710539"/>
             <a:ext cx="3328416" cy="369332"/>
           </a:xfrm>
           <a:prstGeom prst="rect">
@@ -9420,7 +8079,7 @@
         </p:nvSpPr>
         <p:spPr>
           <a:xfrm>
-            <a:off x="1422123" y="5084937"/>
+            <a:off x="1422123" y="5165625"/>
             <a:ext cx="3328416" cy="369332"/>
           </a:xfrm>
           <a:prstGeom prst="rect">
@@ -9478,7 +8137,7 @@
         </p:nvSpPr>
         <p:spPr>
           <a:xfrm>
-            <a:off x="1422123" y="5498918"/>
+            <a:off x="1422123" y="5633398"/>
             <a:ext cx="3328416" cy="369332"/>
           </a:xfrm>
           <a:prstGeom prst="rect">
@@ -9536,7 +8195,7 @@
         </p:nvSpPr>
         <p:spPr>
           <a:xfrm>
-            <a:off x="4896914" y="3811263"/>
+            <a:off x="4896914" y="3723851"/>
             <a:ext cx="1371600" cy="369332"/>
           </a:xfrm>
           <a:prstGeom prst="rect">
@@ -9654,7 +8313,7 @@
         </p:nvSpPr>
         <p:spPr>
           <a:xfrm>
-            <a:off x="4896909" y="4660317"/>
+            <a:off x="4896909" y="4707385"/>
             <a:ext cx="1371600" cy="369332"/>
           </a:xfrm>
           <a:prstGeom prst="rect">
@@ -9713,7 +8372,7 @@
         </p:nvSpPr>
         <p:spPr>
           <a:xfrm>
-            <a:off x="4896908" y="5084937"/>
+            <a:off x="4896908" y="5165625"/>
             <a:ext cx="1371600" cy="369332"/>
           </a:xfrm>
           <a:prstGeom prst="rect">
@@ -9772,7 +8431,7 @@
         </p:nvSpPr>
         <p:spPr>
           <a:xfrm>
-            <a:off x="4896908" y="5498918"/>
+            <a:off x="4896908" y="5633398"/>
             <a:ext cx="1371600" cy="369332"/>
           </a:xfrm>
           <a:prstGeom prst="rect">
@@ -9885,7 +8544,7 @@
         </p:nvSpPr>
         <p:spPr>
           <a:xfrm>
-            <a:off x="6348360" y="3067637"/>
+            <a:off x="6348360" y="2980225"/>
             <a:ext cx="1491046" cy="646331"/>
           </a:xfrm>
           <a:prstGeom prst="rect">
@@ -9943,7 +8602,7 @@
         </p:nvSpPr>
         <p:spPr>
           <a:xfrm>
-            <a:off x="6437547" y="3811263"/>
+            <a:off x="6437547" y="3723851"/>
             <a:ext cx="1371600" cy="369332"/>
           </a:xfrm>
           <a:prstGeom prst="rect">
@@ -10061,7 +8720,7 @@
         </p:nvSpPr>
         <p:spPr>
           <a:xfrm>
-            <a:off x="6437542" y="4660317"/>
+            <a:off x="6437542" y="4707385"/>
             <a:ext cx="1371600" cy="369332"/>
           </a:xfrm>
           <a:prstGeom prst="rect">
@@ -10120,7 +8779,7 @@
         </p:nvSpPr>
         <p:spPr>
           <a:xfrm>
-            <a:off x="6437541" y="5084937"/>
+            <a:off x="6437541" y="5165625"/>
             <a:ext cx="1371600" cy="369332"/>
           </a:xfrm>
           <a:prstGeom prst="rect">
@@ -10179,7 +8838,7 @@
         </p:nvSpPr>
         <p:spPr>
           <a:xfrm>
-            <a:off x="6437541" y="5498918"/>
+            <a:off x="6437541" y="5633398"/>
             <a:ext cx="1371600" cy="369332"/>
           </a:xfrm>
           <a:prstGeom prst="rect">
@@ -10310,7 +8969,7 @@
         </p:nvSpPr>
         <p:spPr>
           <a:xfrm>
-            <a:off x="9427629" y="3067637"/>
+            <a:off x="9427629" y="2980225"/>
             <a:ext cx="1644000" cy="646331"/>
           </a:xfrm>
           <a:prstGeom prst="rect">
@@ -10382,7 +9041,7 @@
         </p:blipFill>
         <p:spPr>
           <a:xfrm>
-            <a:off x="10171126" y="4227197"/>
+            <a:off x="10171126" y="4274265"/>
             <a:ext cx="274320" cy="274320"/>
           </a:xfrm>
           <a:prstGeom prst="rect">
@@ -10418,7 +9077,7 @@
         </p:blipFill>
         <p:spPr>
           <a:xfrm>
-            <a:off x="10171126" y="4649180"/>
+            <a:off x="10171126" y="4736588"/>
             <a:ext cx="274320" cy="274320"/>
           </a:xfrm>
           <a:prstGeom prst="rect">
@@ -10454,7 +9113,7 @@
         </p:blipFill>
         <p:spPr>
           <a:xfrm>
-            <a:off x="10171126" y="5084937"/>
+            <a:off x="10171126" y="5212687"/>
             <a:ext cx="274320" cy="274320"/>
           </a:xfrm>
           <a:prstGeom prst="rect">
@@ -10490,7 +9149,7 @@
         </p:blipFill>
         <p:spPr>
           <a:xfrm>
-            <a:off x="10171126" y="5495278"/>
+            <a:off x="10171126" y="5696990"/>
             <a:ext cx="274320" cy="274320"/>
           </a:xfrm>
           <a:prstGeom prst="rect">
@@ -10548,7 +9207,7 @@
         </p:nvSpPr>
         <p:spPr>
           <a:xfrm>
-            <a:off x="1358115" y="3063890"/>
+            <a:off x="1358115" y="2976478"/>
             <a:ext cx="3392489" cy="646331"/>
           </a:xfrm>
           <a:prstGeom prst="rect">
@@ -10620,7 +9279,7 @@
         </p:blipFill>
         <p:spPr>
           <a:xfrm>
-            <a:off x="10171126" y="3858769"/>
+            <a:off x="10171126" y="3804982"/>
             <a:ext cx="274320" cy="274320"/>
           </a:xfrm>
           <a:prstGeom prst="rect">
@@ -10747,7 +9406,7 @@
         </p:nvSpPr>
         <p:spPr>
           <a:xfrm>
-            <a:off x="7888993" y="3063890"/>
+            <a:off x="7888993" y="2976478"/>
             <a:ext cx="1491046" cy="646331"/>
           </a:xfrm>
           <a:prstGeom prst="rect">
@@ -10816,8 +9475,8 @@
         </p:nvSpPr>
         <p:spPr>
           <a:xfrm>
-            <a:off x="8179348" y="3807516"/>
-            <a:ext cx="457200" cy="369332"/>
+            <a:off x="7883502" y="3769532"/>
+            <a:ext cx="457200" cy="312304"/>
           </a:xfrm>
           <a:prstGeom prst="rect">
             <a:avLst/>
@@ -10875,8 +9534,8 @@
         </p:nvSpPr>
         <p:spPr>
           <a:xfrm>
-            <a:off x="8179344" y="4235104"/>
-            <a:ext cx="457200" cy="369332"/>
+            <a:off x="7883502" y="4267183"/>
+            <a:ext cx="457200" cy="318836"/>
           </a:xfrm>
           <a:prstGeom prst="rect">
             <a:avLst/>
@@ -10934,8 +9593,8 @@
         </p:nvSpPr>
         <p:spPr>
           <a:xfrm>
-            <a:off x="8179343" y="4656570"/>
-            <a:ext cx="457200" cy="369332"/>
+            <a:off x="7881757" y="4737039"/>
+            <a:ext cx="457200" cy="335785"/>
           </a:xfrm>
           <a:prstGeom prst="rect">
             <a:avLst/>
@@ -10993,8 +9652,8 @@
         </p:nvSpPr>
         <p:spPr>
           <a:xfrm>
-            <a:off x="8179342" y="5081190"/>
-            <a:ext cx="457200" cy="369332"/>
+            <a:off x="7881757" y="5188543"/>
+            <a:ext cx="457200" cy="333345"/>
           </a:xfrm>
           <a:prstGeom prst="rect">
             <a:avLst/>
@@ -11052,8 +9711,8 @@
         </p:nvSpPr>
         <p:spPr>
           <a:xfrm>
-            <a:off x="8179342" y="5495171"/>
-            <a:ext cx="457200" cy="369332"/>
+            <a:off x="7881757" y="5658372"/>
+            <a:ext cx="457200" cy="333345"/>
           </a:xfrm>
           <a:prstGeom prst="rect">
             <a:avLst/>
@@ -11099,10 +9758,10 @@
       </p:sp>
       <p:pic>
         <p:nvPicPr>
-          <p:cNvPr id="62" name="Graphic 61" descr="Play">
-            <a:extLst>
-              <a:ext uri="{FF2B5EF4-FFF2-40B4-BE49-F238E27FC236}">
-                <a16:creationId xmlns:a16="http://schemas.microsoft.com/office/drawing/2014/main" id="{718ACE72-FCF1-D844-B3A0-991DCEE9E474}"/>
+          <p:cNvPr id="65" name="Graphic 64" descr="Play">
+            <a:extLst>
+              <a:ext uri="{FF2B5EF4-FFF2-40B4-BE49-F238E27FC236}">
+                <a16:creationId xmlns:a16="http://schemas.microsoft.com/office/drawing/2014/main" id="{B728C967-5A0C-E14A-AAAA-3A16742164A3}"/>
               </a:ext>
             </a:extLst>
           </p:cNvPr>
@@ -11124,9 +9783,9 @@
           </a:stretch>
         </p:blipFill>
         <p:spPr>
-          <a:xfrm rot="5400000">
-            <a:off x="8900110" y="3932684"/>
-            <a:ext cx="274320" cy="274320"/>
+          <a:xfrm rot="16200000">
+            <a:off x="8018111" y="3613258"/>
+            <a:ext cx="184492" cy="274320"/>
           </a:xfrm>
           <a:prstGeom prst="rect">
             <a:avLst/>
@@ -11135,10 +9794,81 @@
       </p:pic>
       <p:pic>
         <p:nvPicPr>
-          <p:cNvPr id="63" name="Graphic 62" descr="Play">
-            <a:extLst>
-              <a:ext uri="{FF2B5EF4-FFF2-40B4-BE49-F238E27FC236}">
-                <a16:creationId xmlns:a16="http://schemas.microsoft.com/office/drawing/2014/main" id="{2CEDFD66-BDF8-8246-8433-F3D9E5F5158B}"/>
+          <p:cNvPr id="73" name="Graphic 72" descr="Document">
+            <a:extLst>
+              <a:ext uri="{FF2B5EF4-FFF2-40B4-BE49-F238E27FC236}">
+                <a16:creationId xmlns:a16="http://schemas.microsoft.com/office/drawing/2014/main" id="{E5747A93-D42F-AA41-A609-AC2CE3E6AE6D}"/>
+              </a:ext>
+            </a:extLst>
+          </p:cNvPr>
+          <p:cNvPicPr>
+            <a:picLocks noChangeAspect="1"/>
+          </p:cNvPicPr>
+          <p:nvPr/>
+        </p:nvPicPr>
+        <p:blipFill>
+          <a:blip r:embed="rId13">
+            <a:extLst>
+              <a:ext uri="{96DAC541-7B7A-43D3-8B79-37D633B846F1}">
+                <asvg:svgBlip xmlns:asvg="http://schemas.microsoft.com/office/drawing/2016/SVG/main" r:embed="rId14"/>
+              </a:ext>
+            </a:extLst>
+          </a:blip>
+          <a:stretch>
+            <a:fillRect/>
+          </a:stretch>
+        </p:blipFill>
+        <p:spPr>
+          <a:xfrm>
+            <a:off x="6568563" y="6185036"/>
+            <a:ext cx="457200" cy="457200"/>
+          </a:xfrm>
+          <a:prstGeom prst="rect">
+            <a:avLst/>
+          </a:prstGeom>
+        </p:spPr>
+      </p:pic>
+      <p:sp>
+        <p:nvSpPr>
+          <p:cNvPr id="74" name="TextBox 73">
+            <a:extLst>
+              <a:ext uri="{FF2B5EF4-FFF2-40B4-BE49-F238E27FC236}">
+                <a16:creationId xmlns:a16="http://schemas.microsoft.com/office/drawing/2014/main" id="{174B67BC-667B-824C-BA11-F58908694C4C}"/>
+              </a:ext>
+            </a:extLst>
+          </p:cNvPr>
+          <p:cNvSpPr txBox="1"/>
+          <p:nvPr/>
+        </p:nvSpPr>
+        <p:spPr>
+          <a:xfrm>
+            <a:off x="6350590" y="6571103"/>
+            <a:ext cx="851259" cy="369332"/>
+          </a:xfrm>
+          <a:prstGeom prst="rect">
+            <a:avLst/>
+          </a:prstGeom>
+          <a:noFill/>
+        </p:spPr>
+        <p:txBody>
+          <a:bodyPr wrap="none" rtlCol="0">
+            <a:spAutoFit/>
+          </a:bodyPr>
+          <a:lstStyle/>
+          <a:p>
+            <a:r>
+              <a:rPr lang="en-US" dirty="0"/>
+              <a:t>LOG  IT</a:t>
+            </a:r>
+          </a:p>
+        </p:txBody>
+      </p:sp>
+      <p:pic>
+        <p:nvPicPr>
+          <p:cNvPr id="83" name="Graphic 82" descr="Play">
+            <a:extLst>
+              <a:ext uri="{FF2B5EF4-FFF2-40B4-BE49-F238E27FC236}">
+                <a16:creationId xmlns:a16="http://schemas.microsoft.com/office/drawing/2014/main" id="{72340920-0DD8-3043-B9DE-CFE33FEAE394}"/>
               </a:ext>
             </a:extLst>
           </p:cNvPr>
@@ -11160,9 +9890,9 @@
           </a:stretch>
         </p:blipFill>
         <p:spPr>
-          <a:xfrm rot="16200000">
-            <a:off x="8900110" y="3753375"/>
-            <a:ext cx="274320" cy="274320"/>
+          <a:xfrm rot="5400000">
+            <a:off x="8018111" y="3993852"/>
+            <a:ext cx="184492" cy="274320"/>
           </a:xfrm>
           <a:prstGeom prst="rect">
             <a:avLst/>
@@ -11171,10 +9901,10 @@
       </p:pic>
       <p:pic>
         <p:nvPicPr>
-          <p:cNvPr id="64" name="Graphic 63" descr="Play">
-            <a:extLst>
-              <a:ext uri="{FF2B5EF4-FFF2-40B4-BE49-F238E27FC236}">
-                <a16:creationId xmlns:a16="http://schemas.microsoft.com/office/drawing/2014/main" id="{A5B278E6-0D8C-8744-8543-F3AA8E1D6E11}"/>
+          <p:cNvPr id="84" name="Graphic 83" descr="Play">
+            <a:extLst>
+              <a:ext uri="{FF2B5EF4-FFF2-40B4-BE49-F238E27FC236}">
+                <a16:creationId xmlns:a16="http://schemas.microsoft.com/office/drawing/2014/main" id="{17BDF104-A2F1-6643-BE3D-45B78FC40BA3}"/>
               </a:ext>
             </a:extLst>
           </p:cNvPr>
@@ -11196,9 +9926,9 @@
           </a:stretch>
         </p:blipFill>
         <p:spPr>
-          <a:xfrm rot="5400000">
-            <a:off x="8900110" y="4359886"/>
-            <a:ext cx="274320" cy="274320"/>
+          <a:xfrm rot="16200000">
+            <a:off x="8018111" y="4115397"/>
+            <a:ext cx="184492" cy="274320"/>
           </a:xfrm>
           <a:prstGeom prst="rect">
             <a:avLst/>
@@ -11207,10 +9937,10 @@
       </p:pic>
       <p:pic>
         <p:nvPicPr>
-          <p:cNvPr id="65" name="Graphic 64" descr="Play">
-            <a:extLst>
-              <a:ext uri="{FF2B5EF4-FFF2-40B4-BE49-F238E27FC236}">
-                <a16:creationId xmlns:a16="http://schemas.microsoft.com/office/drawing/2014/main" id="{B728C967-5A0C-E14A-AAAA-3A16742164A3}"/>
+          <p:cNvPr id="85" name="Graphic 84" descr="Play">
+            <a:extLst>
+              <a:ext uri="{FF2B5EF4-FFF2-40B4-BE49-F238E27FC236}">
+                <a16:creationId xmlns:a16="http://schemas.microsoft.com/office/drawing/2014/main" id="{3BE414CB-1B6F-FA49-A692-7239F299F20B}"/>
               </a:ext>
             </a:extLst>
           </p:cNvPr>
@@ -11232,9 +9962,9 @@
           </a:stretch>
         </p:blipFill>
         <p:spPr>
-          <a:xfrm rot="16200000">
-            <a:off x="8900110" y="4180577"/>
-            <a:ext cx="274320" cy="274320"/>
+          <a:xfrm rot="5400000">
+            <a:off x="8018111" y="4495991"/>
+            <a:ext cx="184492" cy="274320"/>
           </a:xfrm>
           <a:prstGeom prst="rect">
             <a:avLst/>
@@ -11243,10 +9973,10 @@
       </p:pic>
       <p:pic>
         <p:nvPicPr>
-          <p:cNvPr id="66" name="Graphic 65" descr="Play">
-            <a:extLst>
-              <a:ext uri="{FF2B5EF4-FFF2-40B4-BE49-F238E27FC236}">
-                <a16:creationId xmlns:a16="http://schemas.microsoft.com/office/drawing/2014/main" id="{0C30B84E-8CDE-BE40-85D9-D45B01DCFB71}"/>
+          <p:cNvPr id="86" name="Graphic 85" descr="Play">
+            <a:extLst>
+              <a:ext uri="{FF2B5EF4-FFF2-40B4-BE49-F238E27FC236}">
+                <a16:creationId xmlns:a16="http://schemas.microsoft.com/office/drawing/2014/main" id="{6005877B-C0CF-024F-8EBF-F163FF5389FF}"/>
               </a:ext>
             </a:extLst>
           </p:cNvPr>
@@ -11268,9 +9998,9 @@
           </a:stretch>
         </p:blipFill>
         <p:spPr>
-          <a:xfrm rot="5400000">
-            <a:off x="8900110" y="4790715"/>
-            <a:ext cx="274320" cy="274320"/>
+          <a:xfrm rot="16200000">
+            <a:off x="8018111" y="4611710"/>
+            <a:ext cx="184492" cy="274320"/>
           </a:xfrm>
           <a:prstGeom prst="rect">
             <a:avLst/>
@@ -11279,10 +10009,10 @@
       </p:pic>
       <p:pic>
         <p:nvPicPr>
-          <p:cNvPr id="67" name="Graphic 66" descr="Play">
-            <a:extLst>
-              <a:ext uri="{FF2B5EF4-FFF2-40B4-BE49-F238E27FC236}">
-                <a16:creationId xmlns:a16="http://schemas.microsoft.com/office/drawing/2014/main" id="{8EBF7CBD-ACAB-6943-AA8F-FC5146DDAAA6}"/>
+          <p:cNvPr id="87" name="Graphic 86" descr="Play">
+            <a:extLst>
+              <a:ext uri="{FF2B5EF4-FFF2-40B4-BE49-F238E27FC236}">
+                <a16:creationId xmlns:a16="http://schemas.microsoft.com/office/drawing/2014/main" id="{E55E69FB-CAE8-E245-B3FD-0D4FDADF7850}"/>
               </a:ext>
             </a:extLst>
           </p:cNvPr>
@@ -11304,9 +10034,9 @@
           </a:stretch>
         </p:blipFill>
         <p:spPr>
-          <a:xfrm rot="16200000">
-            <a:off x="8900110" y="4611406"/>
-            <a:ext cx="274320" cy="274320"/>
+          <a:xfrm rot="5400000">
+            <a:off x="8018111" y="4965408"/>
+            <a:ext cx="184492" cy="274320"/>
           </a:xfrm>
           <a:prstGeom prst="rect">
             <a:avLst/>
@@ -11315,10 +10045,10 @@
       </p:pic>
       <p:pic>
         <p:nvPicPr>
-          <p:cNvPr id="68" name="Graphic 67" descr="Play">
-            <a:extLst>
-              <a:ext uri="{FF2B5EF4-FFF2-40B4-BE49-F238E27FC236}">
-                <a16:creationId xmlns:a16="http://schemas.microsoft.com/office/drawing/2014/main" id="{E720F701-D115-1C40-8378-94163D65C977}"/>
+          <p:cNvPr id="88" name="Graphic 87" descr="Play">
+            <a:extLst>
+              <a:ext uri="{FF2B5EF4-FFF2-40B4-BE49-F238E27FC236}">
+                <a16:creationId xmlns:a16="http://schemas.microsoft.com/office/drawing/2014/main" id="{58EBBDEA-2AFC-9240-9C17-A15C13D458EA}"/>
               </a:ext>
             </a:extLst>
           </p:cNvPr>
@@ -11340,9 +10070,9 @@
           </a:stretch>
         </p:blipFill>
         <p:spPr>
-          <a:xfrm rot="5400000">
-            <a:off x="8898404" y="5207680"/>
-            <a:ext cx="274320" cy="274320"/>
+          <a:xfrm rot="16200000">
+            <a:off x="8019895" y="5080723"/>
+            <a:ext cx="184492" cy="274320"/>
           </a:xfrm>
           <a:prstGeom prst="rect">
             <a:avLst/>
@@ -11351,10 +10081,10 @@
       </p:pic>
       <p:pic>
         <p:nvPicPr>
-          <p:cNvPr id="69" name="Graphic 68" descr="Play">
-            <a:extLst>
-              <a:ext uri="{FF2B5EF4-FFF2-40B4-BE49-F238E27FC236}">
-                <a16:creationId xmlns:a16="http://schemas.microsoft.com/office/drawing/2014/main" id="{C46EF535-B6E0-9D4C-80F9-8ED5075084E7}"/>
+          <p:cNvPr id="89" name="Graphic 88" descr="Play">
+            <a:extLst>
+              <a:ext uri="{FF2B5EF4-FFF2-40B4-BE49-F238E27FC236}">
+                <a16:creationId xmlns:a16="http://schemas.microsoft.com/office/drawing/2014/main" id="{8D17A81A-EA1D-E84A-AF1A-36BE71B09CEE}"/>
               </a:ext>
             </a:extLst>
           </p:cNvPr>
@@ -11376,9 +10106,9 @@
           </a:stretch>
         </p:blipFill>
         <p:spPr>
-          <a:xfrm rot="16200000">
-            <a:off x="8898404" y="5028371"/>
-            <a:ext cx="274320" cy="274320"/>
+          <a:xfrm rot="5400000">
+            <a:off x="8019895" y="5427697"/>
+            <a:ext cx="184492" cy="274320"/>
           </a:xfrm>
           <a:prstGeom prst="rect">
             <a:avLst/>
@@ -11387,10 +10117,10 @@
       </p:pic>
       <p:pic>
         <p:nvPicPr>
-          <p:cNvPr id="70" name="Graphic 69" descr="Play">
-            <a:extLst>
-              <a:ext uri="{FF2B5EF4-FFF2-40B4-BE49-F238E27FC236}">
-                <a16:creationId xmlns:a16="http://schemas.microsoft.com/office/drawing/2014/main" id="{3811E875-1337-6D4A-BFFD-1738BADD82B3}"/>
+          <p:cNvPr id="90" name="Graphic 89" descr="Play">
+            <a:extLst>
+              <a:ext uri="{FF2B5EF4-FFF2-40B4-BE49-F238E27FC236}">
+                <a16:creationId xmlns:a16="http://schemas.microsoft.com/office/drawing/2014/main" id="{90A183BA-94C9-AB4B-952A-4B46768A7D5B}"/>
               </a:ext>
             </a:extLst>
           </p:cNvPr>
@@ -11412,9 +10142,9 @@
           </a:stretch>
         </p:blipFill>
         <p:spPr>
-          <a:xfrm rot="5400000">
-            <a:off x="8900110" y="5612082"/>
-            <a:ext cx="274320" cy="274320"/>
+          <a:xfrm rot="16200000">
+            <a:off x="8017219" y="5554723"/>
+            <a:ext cx="184492" cy="274320"/>
           </a:xfrm>
           <a:prstGeom prst="rect">
             <a:avLst/>
@@ -11423,10 +10153,10 @@
       </p:pic>
       <p:pic>
         <p:nvPicPr>
-          <p:cNvPr id="71" name="Graphic 70" descr="Play">
-            <a:extLst>
-              <a:ext uri="{FF2B5EF4-FFF2-40B4-BE49-F238E27FC236}">
-                <a16:creationId xmlns:a16="http://schemas.microsoft.com/office/drawing/2014/main" id="{C1345076-7F8A-CC45-BF2B-BC3AF2718E5A}"/>
+          <p:cNvPr id="91" name="Graphic 90" descr="Play">
+            <a:extLst>
+              <a:ext uri="{FF2B5EF4-FFF2-40B4-BE49-F238E27FC236}">
+                <a16:creationId xmlns:a16="http://schemas.microsoft.com/office/drawing/2014/main" id="{B476DC99-9507-3641-9A6F-194339686399}"/>
               </a:ext>
             </a:extLst>
           </p:cNvPr>
@@ -11448,21 +10178,316 @@
           </a:stretch>
         </p:blipFill>
         <p:spPr>
-          <a:xfrm rot="16200000">
-            <a:off x="8900110" y="5432773"/>
-            <a:ext cx="274320" cy="274320"/>
+          <a:xfrm rot="5400000">
+            <a:off x="8071011" y="5901697"/>
+            <a:ext cx="184492" cy="274320"/>
           </a:xfrm>
           <a:prstGeom prst="rect">
             <a:avLst/>
           </a:prstGeom>
         </p:spPr>
       </p:pic>
+      <p:sp>
+        <p:nvSpPr>
+          <p:cNvPr id="92" name="TextBox 91">
+            <a:extLst>
+              <a:ext uri="{FF2B5EF4-FFF2-40B4-BE49-F238E27FC236}">
+                <a16:creationId xmlns:a16="http://schemas.microsoft.com/office/drawing/2014/main" id="{ACDAD981-C6E8-8B49-A2EB-D27EF31D1E47}"/>
+              </a:ext>
+            </a:extLst>
+          </p:cNvPr>
+          <p:cNvSpPr txBox="1"/>
+          <p:nvPr/>
+        </p:nvSpPr>
+        <p:spPr>
+          <a:xfrm>
+            <a:off x="8405693" y="3774012"/>
+            <a:ext cx="457200" cy="312304"/>
+          </a:xfrm>
+          <a:prstGeom prst="rect">
+            <a:avLst/>
+          </a:prstGeom>
+          <a:solidFill>
+            <a:schemeClr val="bg1">
+              <a:lumMod val="75000"/>
+            </a:schemeClr>
+          </a:solidFill>
+          <a:ln/>
+        </p:spPr>
+        <p:style>
+          <a:lnRef idx="0">
+            <a:schemeClr val="dk1"/>
+          </a:lnRef>
+          <a:fillRef idx="3">
+            <a:schemeClr val="dk1"/>
+          </a:fillRef>
+          <a:effectRef idx="3">
+            <a:schemeClr val="dk1"/>
+          </a:effectRef>
+          <a:fontRef idx="minor">
+            <a:schemeClr val="lt1"/>
+          </a:fontRef>
+        </p:style>
+        <p:txBody>
+          <a:bodyPr wrap="square" numCol="1" rtlCol="0">
+            <a:noAutofit/>
+          </a:bodyPr>
+          <a:lstStyle/>
+          <a:p>
+            <a:pPr algn="ctr"/>
+            <a:r>
+              <a:rPr lang="en-US" dirty="0">
+                <a:solidFill>
+                  <a:schemeClr val="tx1"/>
+                </a:solidFill>
+              </a:rPr>
+              <a:t>14</a:t>
+            </a:r>
+          </a:p>
+        </p:txBody>
+      </p:sp>
+      <p:sp>
+        <p:nvSpPr>
+          <p:cNvPr id="93" name="TextBox 92">
+            <a:extLst>
+              <a:ext uri="{FF2B5EF4-FFF2-40B4-BE49-F238E27FC236}">
+                <a16:creationId xmlns:a16="http://schemas.microsoft.com/office/drawing/2014/main" id="{39BBC90E-B66E-EB43-A581-6D96E5D17D02}"/>
+              </a:ext>
+            </a:extLst>
+          </p:cNvPr>
+          <p:cNvSpPr txBox="1"/>
+          <p:nvPr/>
+        </p:nvSpPr>
+        <p:spPr>
+          <a:xfrm>
+            <a:off x="8405693" y="4271663"/>
+            <a:ext cx="457200" cy="318836"/>
+          </a:xfrm>
+          <a:prstGeom prst="rect">
+            <a:avLst/>
+          </a:prstGeom>
+          <a:solidFill>
+            <a:schemeClr val="bg1">
+              <a:lumMod val="75000"/>
+            </a:schemeClr>
+          </a:solidFill>
+          <a:ln/>
+        </p:spPr>
+        <p:style>
+          <a:lnRef idx="0">
+            <a:schemeClr val="dk1"/>
+          </a:lnRef>
+          <a:fillRef idx="3">
+            <a:schemeClr val="dk1"/>
+          </a:fillRef>
+          <a:effectRef idx="3">
+            <a:schemeClr val="dk1"/>
+          </a:effectRef>
+          <a:fontRef idx="minor">
+            <a:schemeClr val="lt1"/>
+          </a:fontRef>
+        </p:style>
+        <p:txBody>
+          <a:bodyPr wrap="square" numCol="1" rtlCol="0">
+            <a:noAutofit/>
+          </a:bodyPr>
+          <a:lstStyle/>
+          <a:p>
+            <a:pPr algn="ctr"/>
+            <a:r>
+              <a:rPr lang="en-US" dirty="0">
+                <a:solidFill>
+                  <a:schemeClr val="tx1"/>
+                </a:solidFill>
+              </a:rPr>
+              <a:t>12</a:t>
+            </a:r>
+          </a:p>
+        </p:txBody>
+      </p:sp>
+      <p:sp>
+        <p:nvSpPr>
+          <p:cNvPr id="94" name="TextBox 93">
+            <a:extLst>
+              <a:ext uri="{FF2B5EF4-FFF2-40B4-BE49-F238E27FC236}">
+                <a16:creationId xmlns:a16="http://schemas.microsoft.com/office/drawing/2014/main" id="{7765518F-7021-504C-A88B-39710DB812FA}"/>
+              </a:ext>
+            </a:extLst>
+          </p:cNvPr>
+          <p:cNvSpPr txBox="1"/>
+          <p:nvPr/>
+        </p:nvSpPr>
+        <p:spPr>
+          <a:xfrm>
+            <a:off x="8403948" y="4741519"/>
+            <a:ext cx="457200" cy="335785"/>
+          </a:xfrm>
+          <a:prstGeom prst="rect">
+            <a:avLst/>
+          </a:prstGeom>
+          <a:solidFill>
+            <a:schemeClr val="bg1">
+              <a:lumMod val="75000"/>
+            </a:schemeClr>
+          </a:solidFill>
+          <a:ln/>
+        </p:spPr>
+        <p:style>
+          <a:lnRef idx="0">
+            <a:schemeClr val="dk1"/>
+          </a:lnRef>
+          <a:fillRef idx="3">
+            <a:schemeClr val="dk1"/>
+          </a:fillRef>
+          <a:effectRef idx="3">
+            <a:schemeClr val="dk1"/>
+          </a:effectRef>
+          <a:fontRef idx="minor">
+            <a:schemeClr val="lt1"/>
+          </a:fontRef>
+        </p:style>
+        <p:txBody>
+          <a:bodyPr wrap="square" numCol="1" rtlCol="0">
+            <a:noAutofit/>
+          </a:bodyPr>
+          <a:lstStyle/>
+          <a:p>
+            <a:pPr algn="ctr"/>
+            <a:r>
+              <a:rPr lang="en-US" dirty="0">
+                <a:solidFill>
+                  <a:schemeClr val="tx1"/>
+                </a:solidFill>
+              </a:rPr>
+              <a:t>15</a:t>
+            </a:r>
+          </a:p>
+        </p:txBody>
+      </p:sp>
+      <p:sp>
+        <p:nvSpPr>
+          <p:cNvPr id="95" name="TextBox 94">
+            <a:extLst>
+              <a:ext uri="{FF2B5EF4-FFF2-40B4-BE49-F238E27FC236}">
+                <a16:creationId xmlns:a16="http://schemas.microsoft.com/office/drawing/2014/main" id="{9FFC358C-63A7-DB4E-BC7C-5D5C9D396B1C}"/>
+              </a:ext>
+            </a:extLst>
+          </p:cNvPr>
+          <p:cNvSpPr txBox="1"/>
+          <p:nvPr/>
+        </p:nvSpPr>
+        <p:spPr>
+          <a:xfrm>
+            <a:off x="8403948" y="5193023"/>
+            <a:ext cx="457200" cy="333345"/>
+          </a:xfrm>
+          <a:prstGeom prst="rect">
+            <a:avLst/>
+          </a:prstGeom>
+          <a:solidFill>
+            <a:schemeClr val="bg1">
+              <a:lumMod val="75000"/>
+            </a:schemeClr>
+          </a:solidFill>
+          <a:ln/>
+        </p:spPr>
+        <p:style>
+          <a:lnRef idx="0">
+            <a:schemeClr val="dk1"/>
+          </a:lnRef>
+          <a:fillRef idx="3">
+            <a:schemeClr val="dk1"/>
+          </a:fillRef>
+          <a:effectRef idx="3">
+            <a:schemeClr val="dk1"/>
+          </a:effectRef>
+          <a:fontRef idx="minor">
+            <a:schemeClr val="lt1"/>
+          </a:fontRef>
+        </p:style>
+        <p:txBody>
+          <a:bodyPr wrap="square" numCol="1" rtlCol="0">
+            <a:noAutofit/>
+          </a:bodyPr>
+          <a:lstStyle/>
+          <a:p>
+            <a:pPr algn="ctr"/>
+            <a:r>
+              <a:rPr lang="en-US" dirty="0">
+                <a:solidFill>
+                  <a:schemeClr val="tx1"/>
+                </a:solidFill>
+              </a:rPr>
+              <a:t>15</a:t>
+            </a:r>
+          </a:p>
+        </p:txBody>
+      </p:sp>
+      <p:sp>
+        <p:nvSpPr>
+          <p:cNvPr id="96" name="TextBox 95">
+            <a:extLst>
+              <a:ext uri="{FF2B5EF4-FFF2-40B4-BE49-F238E27FC236}">
+                <a16:creationId xmlns:a16="http://schemas.microsoft.com/office/drawing/2014/main" id="{04F2C953-3297-B84F-8B61-28D4524068FD}"/>
+              </a:ext>
+            </a:extLst>
+          </p:cNvPr>
+          <p:cNvSpPr txBox="1"/>
+          <p:nvPr/>
+        </p:nvSpPr>
+        <p:spPr>
+          <a:xfrm>
+            <a:off x="8403948" y="5662852"/>
+            <a:ext cx="457200" cy="333345"/>
+          </a:xfrm>
+          <a:prstGeom prst="rect">
+            <a:avLst/>
+          </a:prstGeom>
+          <a:solidFill>
+            <a:schemeClr val="bg1">
+              <a:lumMod val="75000"/>
+            </a:schemeClr>
+          </a:solidFill>
+          <a:ln/>
+        </p:spPr>
+        <p:style>
+          <a:lnRef idx="0">
+            <a:schemeClr val="dk1"/>
+          </a:lnRef>
+          <a:fillRef idx="3">
+            <a:schemeClr val="dk1"/>
+          </a:fillRef>
+          <a:effectRef idx="3">
+            <a:schemeClr val="dk1"/>
+          </a:effectRef>
+          <a:fontRef idx="minor">
+            <a:schemeClr val="lt1"/>
+          </a:fontRef>
+        </p:style>
+        <p:txBody>
+          <a:bodyPr wrap="square" numCol="1" rtlCol="0">
+            <a:noAutofit/>
+          </a:bodyPr>
+          <a:lstStyle/>
+          <a:p>
+            <a:pPr algn="ctr"/>
+            <a:r>
+              <a:rPr lang="en-US" dirty="0">
+                <a:solidFill>
+                  <a:schemeClr val="tx1"/>
+                </a:solidFill>
+              </a:rPr>
+              <a:t>16</a:t>
+            </a:r>
+          </a:p>
+        </p:txBody>
+      </p:sp>
       <p:pic>
         <p:nvPicPr>
-          <p:cNvPr id="73" name="Graphic 72" descr="Document">
-            <a:extLst>
-              <a:ext uri="{FF2B5EF4-FFF2-40B4-BE49-F238E27FC236}">
-                <a16:creationId xmlns:a16="http://schemas.microsoft.com/office/drawing/2014/main" id="{E5747A93-D42F-AA41-A609-AC2CE3E6AE6D}"/>
+          <p:cNvPr id="97" name="Graphic 96" descr="Play">
+            <a:extLst>
+              <a:ext uri="{FF2B5EF4-FFF2-40B4-BE49-F238E27FC236}">
+                <a16:creationId xmlns:a16="http://schemas.microsoft.com/office/drawing/2014/main" id="{5E6FA2F9-DDB0-C440-B2B2-B4BAF7B7C0A4}"/>
               </a:ext>
             </a:extLst>
           </p:cNvPr>
@@ -11472,10 +10497,10 @@
           <p:nvPr/>
         </p:nvPicPr>
         <p:blipFill>
-          <a:blip r:embed="rId13">
+          <a:blip r:embed="rId11">
             <a:extLst>
               <a:ext uri="{96DAC541-7B7A-43D3-8B79-37D633B846F1}">
-                <asvg:svgBlip xmlns:asvg="http://schemas.microsoft.com/office/drawing/2016/SVG/main" r:embed="rId14"/>
+                <asvg:svgBlip xmlns:asvg="http://schemas.microsoft.com/office/drawing/2016/SVG/main" r:embed="rId12"/>
               </a:ext>
             </a:extLst>
           </a:blip>
@@ -11484,21 +10509,345 @@
           </a:stretch>
         </p:blipFill>
         <p:spPr>
-          <a:xfrm>
-            <a:off x="6568563" y="6185036"/>
-            <a:ext cx="457200" cy="457200"/>
+          <a:xfrm rot="16200000">
+            <a:off x="8540302" y="3617738"/>
+            <a:ext cx="184492" cy="274320"/>
           </a:xfrm>
           <a:prstGeom prst="rect">
             <a:avLst/>
           </a:prstGeom>
         </p:spPr>
       </p:pic>
-      <p:sp>
-        <p:nvSpPr>
-          <p:cNvPr id="74" name="TextBox 73">
-            <a:extLst>
-              <a:ext uri="{FF2B5EF4-FFF2-40B4-BE49-F238E27FC236}">
-                <a16:creationId xmlns:a16="http://schemas.microsoft.com/office/drawing/2014/main" id="{174B67BC-667B-824C-BA11-F58908694C4C}"/>
+      <p:pic>
+        <p:nvPicPr>
+          <p:cNvPr id="98" name="Graphic 97" descr="Play">
+            <a:extLst>
+              <a:ext uri="{FF2B5EF4-FFF2-40B4-BE49-F238E27FC236}">
+                <a16:creationId xmlns:a16="http://schemas.microsoft.com/office/drawing/2014/main" id="{8CE61E36-A628-5649-B2C1-9148A165F54A}"/>
+              </a:ext>
+            </a:extLst>
+          </p:cNvPr>
+          <p:cNvPicPr>
+            <a:picLocks noChangeAspect="1"/>
+          </p:cNvPicPr>
+          <p:nvPr/>
+        </p:nvPicPr>
+        <p:blipFill>
+          <a:blip r:embed="rId11">
+            <a:extLst>
+              <a:ext uri="{96DAC541-7B7A-43D3-8B79-37D633B846F1}">
+                <asvg:svgBlip xmlns:asvg="http://schemas.microsoft.com/office/drawing/2016/SVG/main" r:embed="rId12"/>
+              </a:ext>
+            </a:extLst>
+          </a:blip>
+          <a:stretch>
+            <a:fillRect/>
+          </a:stretch>
+        </p:blipFill>
+        <p:spPr>
+          <a:xfrm rot="5400000">
+            <a:off x="8540302" y="3998332"/>
+            <a:ext cx="184492" cy="274320"/>
+          </a:xfrm>
+          <a:prstGeom prst="rect">
+            <a:avLst/>
+          </a:prstGeom>
+        </p:spPr>
+      </p:pic>
+      <p:pic>
+        <p:nvPicPr>
+          <p:cNvPr id="99" name="Graphic 98" descr="Play">
+            <a:extLst>
+              <a:ext uri="{FF2B5EF4-FFF2-40B4-BE49-F238E27FC236}">
+                <a16:creationId xmlns:a16="http://schemas.microsoft.com/office/drawing/2014/main" id="{2DFAF965-FE38-7E4D-AF7B-87DA092E2189}"/>
+              </a:ext>
+            </a:extLst>
+          </p:cNvPr>
+          <p:cNvPicPr>
+            <a:picLocks noChangeAspect="1"/>
+          </p:cNvPicPr>
+          <p:nvPr/>
+        </p:nvPicPr>
+        <p:blipFill>
+          <a:blip r:embed="rId11">
+            <a:extLst>
+              <a:ext uri="{96DAC541-7B7A-43D3-8B79-37D633B846F1}">
+                <asvg:svgBlip xmlns:asvg="http://schemas.microsoft.com/office/drawing/2016/SVG/main" r:embed="rId12"/>
+              </a:ext>
+            </a:extLst>
+          </a:blip>
+          <a:stretch>
+            <a:fillRect/>
+          </a:stretch>
+        </p:blipFill>
+        <p:spPr>
+          <a:xfrm rot="16200000">
+            <a:off x="8540302" y="4119877"/>
+            <a:ext cx="184492" cy="274320"/>
+          </a:xfrm>
+          <a:prstGeom prst="rect">
+            <a:avLst/>
+          </a:prstGeom>
+        </p:spPr>
+      </p:pic>
+      <p:pic>
+        <p:nvPicPr>
+          <p:cNvPr id="100" name="Graphic 99" descr="Play">
+            <a:extLst>
+              <a:ext uri="{FF2B5EF4-FFF2-40B4-BE49-F238E27FC236}">
+                <a16:creationId xmlns:a16="http://schemas.microsoft.com/office/drawing/2014/main" id="{63496324-B0BB-7547-AB69-95533BAE459F}"/>
+              </a:ext>
+            </a:extLst>
+          </p:cNvPr>
+          <p:cNvPicPr>
+            <a:picLocks noChangeAspect="1"/>
+          </p:cNvPicPr>
+          <p:nvPr/>
+        </p:nvPicPr>
+        <p:blipFill>
+          <a:blip r:embed="rId11">
+            <a:extLst>
+              <a:ext uri="{96DAC541-7B7A-43D3-8B79-37D633B846F1}">
+                <asvg:svgBlip xmlns:asvg="http://schemas.microsoft.com/office/drawing/2016/SVG/main" r:embed="rId12"/>
+              </a:ext>
+            </a:extLst>
+          </a:blip>
+          <a:stretch>
+            <a:fillRect/>
+          </a:stretch>
+        </p:blipFill>
+        <p:spPr>
+          <a:xfrm rot="5400000">
+            <a:off x="8540302" y="4500471"/>
+            <a:ext cx="184492" cy="274320"/>
+          </a:xfrm>
+          <a:prstGeom prst="rect">
+            <a:avLst/>
+          </a:prstGeom>
+        </p:spPr>
+      </p:pic>
+      <p:pic>
+        <p:nvPicPr>
+          <p:cNvPr id="101" name="Graphic 100" descr="Play">
+            <a:extLst>
+              <a:ext uri="{FF2B5EF4-FFF2-40B4-BE49-F238E27FC236}">
+                <a16:creationId xmlns:a16="http://schemas.microsoft.com/office/drawing/2014/main" id="{51C351D2-129C-BD49-86BA-0C1E397122FB}"/>
+              </a:ext>
+            </a:extLst>
+          </p:cNvPr>
+          <p:cNvPicPr>
+            <a:picLocks noChangeAspect="1"/>
+          </p:cNvPicPr>
+          <p:nvPr/>
+        </p:nvPicPr>
+        <p:blipFill>
+          <a:blip r:embed="rId11">
+            <a:extLst>
+              <a:ext uri="{96DAC541-7B7A-43D3-8B79-37D633B846F1}">
+                <asvg:svgBlip xmlns:asvg="http://schemas.microsoft.com/office/drawing/2016/SVG/main" r:embed="rId12"/>
+              </a:ext>
+            </a:extLst>
+          </a:blip>
+          <a:stretch>
+            <a:fillRect/>
+          </a:stretch>
+        </p:blipFill>
+        <p:spPr>
+          <a:xfrm rot="16200000">
+            <a:off x="8540302" y="4616190"/>
+            <a:ext cx="184492" cy="274320"/>
+          </a:xfrm>
+          <a:prstGeom prst="rect">
+            <a:avLst/>
+          </a:prstGeom>
+        </p:spPr>
+      </p:pic>
+      <p:pic>
+        <p:nvPicPr>
+          <p:cNvPr id="102" name="Graphic 101" descr="Play">
+            <a:extLst>
+              <a:ext uri="{FF2B5EF4-FFF2-40B4-BE49-F238E27FC236}">
+                <a16:creationId xmlns:a16="http://schemas.microsoft.com/office/drawing/2014/main" id="{92259396-1B8C-0445-B01A-1AAEF1ED8E27}"/>
+              </a:ext>
+            </a:extLst>
+          </p:cNvPr>
+          <p:cNvPicPr>
+            <a:picLocks noChangeAspect="1"/>
+          </p:cNvPicPr>
+          <p:nvPr/>
+        </p:nvPicPr>
+        <p:blipFill>
+          <a:blip r:embed="rId11">
+            <a:extLst>
+              <a:ext uri="{96DAC541-7B7A-43D3-8B79-37D633B846F1}">
+                <asvg:svgBlip xmlns:asvg="http://schemas.microsoft.com/office/drawing/2016/SVG/main" r:embed="rId12"/>
+              </a:ext>
+            </a:extLst>
+          </a:blip>
+          <a:stretch>
+            <a:fillRect/>
+          </a:stretch>
+        </p:blipFill>
+        <p:spPr>
+          <a:xfrm rot="5400000">
+            <a:off x="8540302" y="4969888"/>
+            <a:ext cx="184492" cy="274320"/>
+          </a:xfrm>
+          <a:prstGeom prst="rect">
+            <a:avLst/>
+          </a:prstGeom>
+        </p:spPr>
+      </p:pic>
+      <p:pic>
+        <p:nvPicPr>
+          <p:cNvPr id="103" name="Graphic 102" descr="Play">
+            <a:extLst>
+              <a:ext uri="{FF2B5EF4-FFF2-40B4-BE49-F238E27FC236}">
+                <a16:creationId xmlns:a16="http://schemas.microsoft.com/office/drawing/2014/main" id="{3807A5AD-0ABF-A347-A54B-13249DF1EF60}"/>
+              </a:ext>
+            </a:extLst>
+          </p:cNvPr>
+          <p:cNvPicPr>
+            <a:picLocks noChangeAspect="1"/>
+          </p:cNvPicPr>
+          <p:nvPr/>
+        </p:nvPicPr>
+        <p:blipFill>
+          <a:blip r:embed="rId11">
+            <a:extLst>
+              <a:ext uri="{96DAC541-7B7A-43D3-8B79-37D633B846F1}">
+                <asvg:svgBlip xmlns:asvg="http://schemas.microsoft.com/office/drawing/2016/SVG/main" r:embed="rId12"/>
+              </a:ext>
+            </a:extLst>
+          </a:blip>
+          <a:stretch>
+            <a:fillRect/>
+          </a:stretch>
+        </p:blipFill>
+        <p:spPr>
+          <a:xfrm rot="16200000">
+            <a:off x="8542086" y="5085203"/>
+            <a:ext cx="184492" cy="274320"/>
+          </a:xfrm>
+          <a:prstGeom prst="rect">
+            <a:avLst/>
+          </a:prstGeom>
+        </p:spPr>
+      </p:pic>
+      <p:pic>
+        <p:nvPicPr>
+          <p:cNvPr id="104" name="Graphic 103" descr="Play">
+            <a:extLst>
+              <a:ext uri="{FF2B5EF4-FFF2-40B4-BE49-F238E27FC236}">
+                <a16:creationId xmlns:a16="http://schemas.microsoft.com/office/drawing/2014/main" id="{329D8589-7960-2F43-891C-319681669C92}"/>
+              </a:ext>
+            </a:extLst>
+          </p:cNvPr>
+          <p:cNvPicPr>
+            <a:picLocks noChangeAspect="1"/>
+          </p:cNvPicPr>
+          <p:nvPr/>
+        </p:nvPicPr>
+        <p:blipFill>
+          <a:blip r:embed="rId11">
+            <a:extLst>
+              <a:ext uri="{96DAC541-7B7A-43D3-8B79-37D633B846F1}">
+                <asvg:svgBlip xmlns:asvg="http://schemas.microsoft.com/office/drawing/2016/SVG/main" r:embed="rId12"/>
+              </a:ext>
+            </a:extLst>
+          </a:blip>
+          <a:stretch>
+            <a:fillRect/>
+          </a:stretch>
+        </p:blipFill>
+        <p:spPr>
+          <a:xfrm rot="5400000">
+            <a:off x="8542086" y="5432177"/>
+            <a:ext cx="184492" cy="274320"/>
+          </a:xfrm>
+          <a:prstGeom prst="rect">
+            <a:avLst/>
+          </a:prstGeom>
+        </p:spPr>
+      </p:pic>
+      <p:pic>
+        <p:nvPicPr>
+          <p:cNvPr id="105" name="Graphic 104" descr="Play">
+            <a:extLst>
+              <a:ext uri="{FF2B5EF4-FFF2-40B4-BE49-F238E27FC236}">
+                <a16:creationId xmlns:a16="http://schemas.microsoft.com/office/drawing/2014/main" id="{3756D1A7-DE1B-494A-92DE-0B931F572CE1}"/>
+              </a:ext>
+            </a:extLst>
+          </p:cNvPr>
+          <p:cNvPicPr>
+            <a:picLocks noChangeAspect="1"/>
+          </p:cNvPicPr>
+          <p:nvPr/>
+        </p:nvPicPr>
+        <p:blipFill>
+          <a:blip r:embed="rId11">
+            <a:extLst>
+              <a:ext uri="{96DAC541-7B7A-43D3-8B79-37D633B846F1}">
+                <asvg:svgBlip xmlns:asvg="http://schemas.microsoft.com/office/drawing/2016/SVG/main" r:embed="rId12"/>
+              </a:ext>
+            </a:extLst>
+          </a:blip>
+          <a:stretch>
+            <a:fillRect/>
+          </a:stretch>
+        </p:blipFill>
+        <p:spPr>
+          <a:xfrm rot="16200000">
+            <a:off x="8539410" y="5559203"/>
+            <a:ext cx="184492" cy="274320"/>
+          </a:xfrm>
+          <a:prstGeom prst="rect">
+            <a:avLst/>
+          </a:prstGeom>
+        </p:spPr>
+      </p:pic>
+      <p:pic>
+        <p:nvPicPr>
+          <p:cNvPr id="106" name="Graphic 105" descr="Play">
+            <a:extLst>
+              <a:ext uri="{FF2B5EF4-FFF2-40B4-BE49-F238E27FC236}">
+                <a16:creationId xmlns:a16="http://schemas.microsoft.com/office/drawing/2014/main" id="{647B3C6C-0447-8B42-A744-5FA786514941}"/>
+              </a:ext>
+            </a:extLst>
+          </p:cNvPr>
+          <p:cNvPicPr>
+            <a:picLocks noChangeAspect="1"/>
+          </p:cNvPicPr>
+          <p:nvPr/>
+        </p:nvPicPr>
+        <p:blipFill>
+          <a:blip r:embed="rId11">
+            <a:extLst>
+              <a:ext uri="{96DAC541-7B7A-43D3-8B79-37D633B846F1}">
+                <asvg:svgBlip xmlns:asvg="http://schemas.microsoft.com/office/drawing/2016/SVG/main" r:embed="rId12"/>
+              </a:ext>
+            </a:extLst>
+          </a:blip>
+          <a:stretch>
+            <a:fillRect/>
+          </a:stretch>
+        </p:blipFill>
+        <p:spPr>
+          <a:xfrm rot="5400000">
+            <a:off x="8593202" y="5906177"/>
+            <a:ext cx="184492" cy="274320"/>
+          </a:xfrm>
+          <a:prstGeom prst="rect">
+            <a:avLst/>
+          </a:prstGeom>
+        </p:spPr>
+      </p:pic>
+      <p:sp>
+        <p:nvSpPr>
+          <p:cNvPr id="107" name="TextBox 106">
+            <a:extLst>
+              <a:ext uri="{FF2B5EF4-FFF2-40B4-BE49-F238E27FC236}">
+                <a16:creationId xmlns:a16="http://schemas.microsoft.com/office/drawing/2014/main" id="{2824E511-237B-BC45-8135-96385387754F}"/>
               </a:ext>
             </a:extLst>
           </p:cNvPr>
@@ -11507,27 +10856,385 @@
         </p:nvSpPr>
         <p:spPr>
           <a:xfrm>
-            <a:off x="6350590" y="6571103"/>
-            <a:ext cx="851259" cy="369332"/>
-          </a:xfrm>
-          <a:prstGeom prst="rect">
-            <a:avLst/>
-          </a:prstGeom>
-          <a:noFill/>
-        </p:spPr>
-        <p:txBody>
-          <a:bodyPr wrap="none" rtlCol="0">
-            <a:spAutoFit/>
+            <a:off x="8909973" y="3774009"/>
+            <a:ext cx="457200" cy="312304"/>
+          </a:xfrm>
+          <a:prstGeom prst="rect">
+            <a:avLst/>
+          </a:prstGeom>
+          <a:solidFill>
+            <a:schemeClr val="bg1">
+              <a:lumMod val="75000"/>
+            </a:schemeClr>
+          </a:solidFill>
+          <a:ln/>
+        </p:spPr>
+        <p:style>
+          <a:lnRef idx="0">
+            <a:schemeClr val="dk1"/>
+          </a:lnRef>
+          <a:fillRef idx="3">
+            <a:schemeClr val="dk1"/>
+          </a:fillRef>
+          <a:effectRef idx="3">
+            <a:schemeClr val="dk1"/>
+          </a:effectRef>
+          <a:fontRef idx="minor">
+            <a:schemeClr val="lt1"/>
+          </a:fontRef>
+        </p:style>
+        <p:txBody>
+          <a:bodyPr wrap="square" numCol="1" rtlCol="0">
+            <a:noAutofit/>
           </a:bodyPr>
           <a:lstStyle/>
           <a:p>
-            <a:r>
-              <a:rPr lang="en-US" dirty="0"/>
-              <a:t>LOG  IT</a:t>
-            </a:r>
-          </a:p>
-        </p:txBody>
-      </p:sp>
+            <a:pPr algn="ctr"/>
+            <a:r>
+              <a:rPr lang="en-US" dirty="0">
+                <a:solidFill>
+                  <a:schemeClr val="tx1"/>
+                </a:solidFill>
+              </a:rPr>
+              <a:t>10</a:t>
+            </a:r>
+          </a:p>
+        </p:txBody>
+      </p:sp>
+      <p:sp>
+        <p:nvSpPr>
+          <p:cNvPr id="108" name="TextBox 107">
+            <a:extLst>
+              <a:ext uri="{FF2B5EF4-FFF2-40B4-BE49-F238E27FC236}">
+                <a16:creationId xmlns:a16="http://schemas.microsoft.com/office/drawing/2014/main" id="{63C10CC3-DCC1-FF49-B9BC-218C010E0771}"/>
+              </a:ext>
+            </a:extLst>
+          </p:cNvPr>
+          <p:cNvSpPr txBox="1"/>
+          <p:nvPr/>
+        </p:nvSpPr>
+        <p:spPr>
+          <a:xfrm>
+            <a:off x="8909973" y="4271660"/>
+            <a:ext cx="457200" cy="318836"/>
+          </a:xfrm>
+          <a:prstGeom prst="rect">
+            <a:avLst/>
+          </a:prstGeom>
+          <a:solidFill>
+            <a:schemeClr val="bg1">
+              <a:lumMod val="75000"/>
+            </a:schemeClr>
+          </a:solidFill>
+          <a:ln/>
+        </p:spPr>
+        <p:style>
+          <a:lnRef idx="0">
+            <a:schemeClr val="dk1"/>
+          </a:lnRef>
+          <a:fillRef idx="3">
+            <a:schemeClr val="dk1"/>
+          </a:fillRef>
+          <a:effectRef idx="3">
+            <a:schemeClr val="dk1"/>
+          </a:effectRef>
+          <a:fontRef idx="minor">
+            <a:schemeClr val="lt1"/>
+          </a:fontRef>
+        </p:style>
+        <p:txBody>
+          <a:bodyPr wrap="square" numCol="1" rtlCol="0">
+            <a:noAutofit/>
+          </a:bodyPr>
+          <a:lstStyle/>
+          <a:p>
+            <a:pPr algn="ctr"/>
+            <a:r>
+              <a:rPr lang="en-US" dirty="0">
+                <a:solidFill>
+                  <a:schemeClr val="tx1"/>
+                </a:solidFill>
+              </a:rPr>
+              <a:t>10</a:t>
+            </a:r>
+          </a:p>
+        </p:txBody>
+      </p:sp>
+      <p:sp>
+        <p:nvSpPr>
+          <p:cNvPr id="109" name="TextBox 108">
+            <a:extLst>
+              <a:ext uri="{FF2B5EF4-FFF2-40B4-BE49-F238E27FC236}">
+                <a16:creationId xmlns:a16="http://schemas.microsoft.com/office/drawing/2014/main" id="{19AB6986-A68F-A34B-B8AD-7B5E0A615B8E}"/>
+              </a:ext>
+            </a:extLst>
+          </p:cNvPr>
+          <p:cNvSpPr txBox="1"/>
+          <p:nvPr/>
+        </p:nvSpPr>
+        <p:spPr>
+          <a:xfrm>
+            <a:off x="8908228" y="4741516"/>
+            <a:ext cx="457200" cy="335785"/>
+          </a:xfrm>
+          <a:prstGeom prst="rect">
+            <a:avLst/>
+          </a:prstGeom>
+          <a:solidFill>
+            <a:schemeClr val="bg1">
+              <a:lumMod val="75000"/>
+            </a:schemeClr>
+          </a:solidFill>
+          <a:ln/>
+        </p:spPr>
+        <p:style>
+          <a:lnRef idx="0">
+            <a:schemeClr val="dk1"/>
+          </a:lnRef>
+          <a:fillRef idx="3">
+            <a:schemeClr val="dk1"/>
+          </a:fillRef>
+          <a:effectRef idx="3">
+            <a:schemeClr val="dk1"/>
+          </a:effectRef>
+          <a:fontRef idx="minor">
+            <a:schemeClr val="lt1"/>
+          </a:fontRef>
+        </p:style>
+        <p:txBody>
+          <a:bodyPr wrap="square" numCol="1" rtlCol="0">
+            <a:noAutofit/>
+          </a:bodyPr>
+          <a:lstStyle/>
+          <a:p>
+            <a:pPr algn="ctr"/>
+            <a:r>
+              <a:rPr lang="en-US" dirty="0">
+                <a:solidFill>
+                  <a:schemeClr val="tx1"/>
+                </a:solidFill>
+              </a:rPr>
+              <a:t>12</a:t>
+            </a:r>
+          </a:p>
+        </p:txBody>
+      </p:sp>
+      <p:pic>
+        <p:nvPicPr>
+          <p:cNvPr id="112" name="Graphic 111" descr="Play">
+            <a:extLst>
+              <a:ext uri="{FF2B5EF4-FFF2-40B4-BE49-F238E27FC236}">
+                <a16:creationId xmlns:a16="http://schemas.microsoft.com/office/drawing/2014/main" id="{51C0B9E9-7DBD-C745-8FB4-BBA5E57E97F3}"/>
+              </a:ext>
+            </a:extLst>
+          </p:cNvPr>
+          <p:cNvPicPr>
+            <a:picLocks noChangeAspect="1"/>
+          </p:cNvPicPr>
+          <p:nvPr/>
+        </p:nvPicPr>
+        <p:blipFill>
+          <a:blip r:embed="rId11">
+            <a:extLst>
+              <a:ext uri="{96DAC541-7B7A-43D3-8B79-37D633B846F1}">
+                <asvg:svgBlip xmlns:asvg="http://schemas.microsoft.com/office/drawing/2016/SVG/main" r:embed="rId12"/>
+              </a:ext>
+            </a:extLst>
+          </a:blip>
+          <a:stretch>
+            <a:fillRect/>
+          </a:stretch>
+        </p:blipFill>
+        <p:spPr>
+          <a:xfrm rot="16200000">
+            <a:off x="9044582" y="3617735"/>
+            <a:ext cx="184492" cy="274320"/>
+          </a:xfrm>
+          <a:prstGeom prst="rect">
+            <a:avLst/>
+          </a:prstGeom>
+        </p:spPr>
+      </p:pic>
+      <p:pic>
+        <p:nvPicPr>
+          <p:cNvPr id="113" name="Graphic 112" descr="Play">
+            <a:extLst>
+              <a:ext uri="{FF2B5EF4-FFF2-40B4-BE49-F238E27FC236}">
+                <a16:creationId xmlns:a16="http://schemas.microsoft.com/office/drawing/2014/main" id="{B0678A20-A999-1E4F-B148-ABFFADF9CDE9}"/>
+              </a:ext>
+            </a:extLst>
+          </p:cNvPr>
+          <p:cNvPicPr>
+            <a:picLocks noChangeAspect="1"/>
+          </p:cNvPicPr>
+          <p:nvPr/>
+        </p:nvPicPr>
+        <p:blipFill>
+          <a:blip r:embed="rId11">
+            <a:extLst>
+              <a:ext uri="{96DAC541-7B7A-43D3-8B79-37D633B846F1}">
+                <asvg:svgBlip xmlns:asvg="http://schemas.microsoft.com/office/drawing/2016/SVG/main" r:embed="rId12"/>
+              </a:ext>
+            </a:extLst>
+          </a:blip>
+          <a:stretch>
+            <a:fillRect/>
+          </a:stretch>
+        </p:blipFill>
+        <p:spPr>
+          <a:xfrm rot="5400000">
+            <a:off x="9044582" y="3998329"/>
+            <a:ext cx="184492" cy="274320"/>
+          </a:xfrm>
+          <a:prstGeom prst="rect">
+            <a:avLst/>
+          </a:prstGeom>
+        </p:spPr>
+      </p:pic>
+      <p:pic>
+        <p:nvPicPr>
+          <p:cNvPr id="114" name="Graphic 113" descr="Play">
+            <a:extLst>
+              <a:ext uri="{FF2B5EF4-FFF2-40B4-BE49-F238E27FC236}">
+                <a16:creationId xmlns:a16="http://schemas.microsoft.com/office/drawing/2014/main" id="{0C960A22-82E0-C94C-AECA-A08E2C89AE8E}"/>
+              </a:ext>
+            </a:extLst>
+          </p:cNvPr>
+          <p:cNvPicPr>
+            <a:picLocks noChangeAspect="1"/>
+          </p:cNvPicPr>
+          <p:nvPr/>
+        </p:nvPicPr>
+        <p:blipFill>
+          <a:blip r:embed="rId11">
+            <a:extLst>
+              <a:ext uri="{96DAC541-7B7A-43D3-8B79-37D633B846F1}">
+                <asvg:svgBlip xmlns:asvg="http://schemas.microsoft.com/office/drawing/2016/SVG/main" r:embed="rId12"/>
+              </a:ext>
+            </a:extLst>
+          </a:blip>
+          <a:stretch>
+            <a:fillRect/>
+          </a:stretch>
+        </p:blipFill>
+        <p:spPr>
+          <a:xfrm rot="16200000">
+            <a:off x="9044582" y="4119874"/>
+            <a:ext cx="184492" cy="274320"/>
+          </a:xfrm>
+          <a:prstGeom prst="rect">
+            <a:avLst/>
+          </a:prstGeom>
+        </p:spPr>
+      </p:pic>
+      <p:pic>
+        <p:nvPicPr>
+          <p:cNvPr id="115" name="Graphic 114" descr="Play">
+            <a:extLst>
+              <a:ext uri="{FF2B5EF4-FFF2-40B4-BE49-F238E27FC236}">
+                <a16:creationId xmlns:a16="http://schemas.microsoft.com/office/drawing/2014/main" id="{C5E5F977-16B2-FE41-B186-BD3DC02631CB}"/>
+              </a:ext>
+            </a:extLst>
+          </p:cNvPr>
+          <p:cNvPicPr>
+            <a:picLocks noChangeAspect="1"/>
+          </p:cNvPicPr>
+          <p:nvPr/>
+        </p:nvPicPr>
+        <p:blipFill>
+          <a:blip r:embed="rId11">
+            <a:extLst>
+              <a:ext uri="{96DAC541-7B7A-43D3-8B79-37D633B846F1}">
+                <asvg:svgBlip xmlns:asvg="http://schemas.microsoft.com/office/drawing/2016/SVG/main" r:embed="rId12"/>
+              </a:ext>
+            </a:extLst>
+          </a:blip>
+          <a:stretch>
+            <a:fillRect/>
+          </a:stretch>
+        </p:blipFill>
+        <p:spPr>
+          <a:xfrm rot="5400000">
+            <a:off x="9044582" y="4500468"/>
+            <a:ext cx="184492" cy="274320"/>
+          </a:xfrm>
+          <a:prstGeom prst="rect">
+            <a:avLst/>
+          </a:prstGeom>
+        </p:spPr>
+      </p:pic>
+      <p:pic>
+        <p:nvPicPr>
+          <p:cNvPr id="116" name="Graphic 115" descr="Play">
+            <a:extLst>
+              <a:ext uri="{FF2B5EF4-FFF2-40B4-BE49-F238E27FC236}">
+                <a16:creationId xmlns:a16="http://schemas.microsoft.com/office/drawing/2014/main" id="{5E5CAB0A-15CC-2F46-B468-F0CB2850BEB9}"/>
+              </a:ext>
+            </a:extLst>
+          </p:cNvPr>
+          <p:cNvPicPr>
+            <a:picLocks noChangeAspect="1"/>
+          </p:cNvPicPr>
+          <p:nvPr/>
+        </p:nvPicPr>
+        <p:blipFill>
+          <a:blip r:embed="rId11">
+            <a:extLst>
+              <a:ext uri="{96DAC541-7B7A-43D3-8B79-37D633B846F1}">
+                <asvg:svgBlip xmlns:asvg="http://schemas.microsoft.com/office/drawing/2016/SVG/main" r:embed="rId12"/>
+              </a:ext>
+            </a:extLst>
+          </a:blip>
+          <a:stretch>
+            <a:fillRect/>
+          </a:stretch>
+        </p:blipFill>
+        <p:spPr>
+          <a:xfrm rot="16200000">
+            <a:off x="9044582" y="4616187"/>
+            <a:ext cx="184492" cy="274320"/>
+          </a:xfrm>
+          <a:prstGeom prst="rect">
+            <a:avLst/>
+          </a:prstGeom>
+        </p:spPr>
+      </p:pic>
+      <p:pic>
+        <p:nvPicPr>
+          <p:cNvPr id="122" name="Graphic 121" descr="Play">
+            <a:extLst>
+              <a:ext uri="{FF2B5EF4-FFF2-40B4-BE49-F238E27FC236}">
+                <a16:creationId xmlns:a16="http://schemas.microsoft.com/office/drawing/2014/main" id="{B7CFEC26-FD37-3741-B4A9-37DD0A522EF2}"/>
+              </a:ext>
+            </a:extLst>
+          </p:cNvPr>
+          <p:cNvPicPr>
+            <a:picLocks noChangeAspect="1"/>
+          </p:cNvPicPr>
+          <p:nvPr/>
+        </p:nvPicPr>
+        <p:blipFill>
+          <a:blip r:embed="rId11">
+            <a:extLst>
+              <a:ext uri="{96DAC541-7B7A-43D3-8B79-37D633B846F1}">
+                <asvg:svgBlip xmlns:asvg="http://schemas.microsoft.com/office/drawing/2016/SVG/main" r:embed="rId12"/>
+              </a:ext>
+            </a:extLst>
+          </a:blip>
+          <a:stretch>
+            <a:fillRect/>
+          </a:stretch>
+        </p:blipFill>
+        <p:spPr>
+          <a:xfrm rot="5400000">
+            <a:off x="9049056" y="4967641"/>
+            <a:ext cx="184492" cy="274320"/>
+          </a:xfrm>
+          <a:prstGeom prst="rect">
+            <a:avLst/>
+          </a:prstGeom>
+        </p:spPr>
+      </p:pic>
     </p:spTree>
     <p:extLst>
       <p:ext uri="{BB962C8B-B14F-4D97-AF65-F5344CB8AC3E}">
@@ -11938,406 +11645,6 @@
     <p:extLst>
       <p:ext uri="{BB962C8B-B14F-4D97-AF65-F5344CB8AC3E}">
         <p14:creationId xmlns:p14="http://schemas.microsoft.com/office/powerpoint/2010/main" val="3988109981"/>
-      </p:ext>
-    </p:extLst>
-  </p:cSld>
-  <p:clrMapOvr>
-    <a:masterClrMapping/>
-  </p:clrMapOvr>
-</p:sld>
-</file>
-
-<file path=ppt/slides/slide7.xml><?xml version="1.0" encoding="utf-8"?>
-<p:sld xmlns:a="http://schemas.openxmlformats.org/drawingml/2006/main" xmlns:r="http://schemas.openxmlformats.org/officeDocument/2006/relationships" xmlns:p="http://schemas.openxmlformats.org/presentationml/2006/main">
-  <p:cSld>
-    <p:spTree>
-      <p:nvGrpSpPr>
-        <p:cNvPr id="1" name=""/>
-        <p:cNvGrpSpPr/>
-        <p:nvPr/>
-      </p:nvGrpSpPr>
-      <p:grpSpPr>
-        <a:xfrm>
-          <a:off x="0" y="0"/>
-          <a:ext cx="0" cy="0"/>
-          <a:chOff x="0" y="0"/>
-          <a:chExt cx="0" cy="0"/>
-        </a:xfrm>
-      </p:grpSpPr>
-      <p:sp>
-        <p:nvSpPr>
-          <p:cNvPr id="6" name="Rectangle 5">
-            <a:extLst>
-              <a:ext uri="{FF2B5EF4-FFF2-40B4-BE49-F238E27FC236}">
-                <a16:creationId xmlns:a16="http://schemas.microsoft.com/office/drawing/2014/main" id="{0E3B2C38-0D61-B242-85FF-2A2A797BD950}"/>
-              </a:ext>
-            </a:extLst>
-          </p:cNvPr>
-          <p:cNvSpPr/>
-          <p:nvPr/>
-        </p:nvSpPr>
-        <p:spPr>
-          <a:xfrm>
-            <a:off x="-1" y="0"/>
-            <a:ext cx="12192000" cy="1972924"/>
-          </a:xfrm>
-          <a:prstGeom prst="rect">
-            <a:avLst/>
-          </a:prstGeom>
-          <a:solidFill>
-            <a:srgbClr val="FF0000"/>
-          </a:solidFill>
-          <a:ln>
-            <a:noFill/>
-          </a:ln>
-        </p:spPr>
-        <p:style>
-          <a:lnRef idx="2">
-            <a:schemeClr val="accent1">
-              <a:shade val="50000"/>
-            </a:schemeClr>
-          </a:lnRef>
-          <a:fillRef idx="1">
-            <a:schemeClr val="accent1"/>
-          </a:fillRef>
-          <a:effectRef idx="0">
-            <a:schemeClr val="accent1"/>
-          </a:effectRef>
-          <a:fontRef idx="minor">
-            <a:schemeClr val="lt1"/>
-          </a:fontRef>
-        </p:style>
-        <p:txBody>
-          <a:bodyPr rtlCol="0" anchor="ctr"/>
-          <a:lstStyle/>
-          <a:p>
-            <a:pPr algn="ctr"/>
-            <a:endParaRPr lang="en-US"/>
-          </a:p>
-        </p:txBody>
-      </p:sp>
-      <p:pic>
-        <p:nvPicPr>
-          <p:cNvPr id="5" name="Content Placeholder 4">
-            <a:extLst>
-              <a:ext uri="{FF2B5EF4-FFF2-40B4-BE49-F238E27FC236}">
-                <a16:creationId xmlns:a16="http://schemas.microsoft.com/office/drawing/2014/main" id="{0DBC03E3-DFB2-7846-AB7F-45224968D587}"/>
-              </a:ext>
-            </a:extLst>
-          </p:cNvPr>
-          <p:cNvPicPr>
-            <a:picLocks noGrp="1" noChangeAspect="1"/>
-          </p:cNvPicPr>
-          <p:nvPr>
-            <p:ph idx="1"/>
-          </p:nvPr>
-        </p:nvPicPr>
-        <p:blipFill>
-          <a:blip r:embed="rId2"/>
-          <a:stretch>
-            <a:fillRect/>
-          </a:stretch>
-        </p:blipFill>
-        <p:spPr>
-          <a:xfrm>
-            <a:off x="5133700" y="0"/>
-            <a:ext cx="1924599" cy="1924599"/>
-          </a:xfrm>
-        </p:spPr>
-      </p:pic>
-      <p:sp>
-        <p:nvSpPr>
-          <p:cNvPr id="19" name="Rectangle 18">
-            <a:extLst>
-              <a:ext uri="{FF2B5EF4-FFF2-40B4-BE49-F238E27FC236}">
-                <a16:creationId xmlns:a16="http://schemas.microsoft.com/office/drawing/2014/main" id="{16E41A08-D5BC-0048-9574-3A1F433106C2}"/>
-              </a:ext>
-            </a:extLst>
-          </p:cNvPr>
-          <p:cNvSpPr/>
-          <p:nvPr/>
-        </p:nvSpPr>
-        <p:spPr>
-          <a:xfrm>
-            <a:off x="0" y="6158292"/>
-            <a:ext cx="12192000" cy="704240"/>
-          </a:xfrm>
-          <a:prstGeom prst="rect">
-            <a:avLst/>
-          </a:prstGeom>
-          <a:solidFill>
-            <a:schemeClr val="bg1">
-              <a:lumMod val="95000"/>
-            </a:schemeClr>
-          </a:solidFill>
-          <a:ln>
-            <a:noFill/>
-          </a:ln>
-        </p:spPr>
-        <p:style>
-          <a:lnRef idx="2">
-            <a:schemeClr val="accent1">
-              <a:shade val="50000"/>
-            </a:schemeClr>
-          </a:lnRef>
-          <a:fillRef idx="1">
-            <a:schemeClr val="accent1"/>
-          </a:fillRef>
-          <a:effectRef idx="0">
-            <a:schemeClr val="accent1"/>
-          </a:effectRef>
-          <a:fontRef idx="minor">
-            <a:schemeClr val="lt1"/>
-          </a:fontRef>
-        </p:style>
-        <p:txBody>
-          <a:bodyPr rtlCol="0" anchor="ctr"/>
-          <a:lstStyle/>
-          <a:p>
-            <a:pPr algn="ctr"/>
-            <a:endParaRPr lang="en-US"/>
-          </a:p>
-        </p:txBody>
-      </p:sp>
-      <p:pic>
-        <p:nvPicPr>
-          <p:cNvPr id="3" name="Graphic 2" descr="House">
-            <a:extLst>
-              <a:ext uri="{FF2B5EF4-FFF2-40B4-BE49-F238E27FC236}">
-                <a16:creationId xmlns:a16="http://schemas.microsoft.com/office/drawing/2014/main" id="{9F142E29-0A8C-5947-8B98-B484F20B8475}"/>
-              </a:ext>
-            </a:extLst>
-          </p:cNvPr>
-          <p:cNvPicPr>
-            <a:picLocks noChangeAspect="1"/>
-          </p:cNvPicPr>
-          <p:nvPr/>
-        </p:nvPicPr>
-        <p:blipFill>
-          <a:blip r:embed="rId3">
-            <a:extLst>
-              <a:ext uri="{96DAC541-7B7A-43D3-8B79-37D633B846F1}">
-                <asvg:svgBlip xmlns:asvg="http://schemas.microsoft.com/office/drawing/2016/SVG/main" r:embed="rId4"/>
-              </a:ext>
-            </a:extLst>
-          </a:blip>
-          <a:stretch>
-            <a:fillRect/>
-          </a:stretch>
-        </p:blipFill>
-        <p:spPr>
-          <a:xfrm>
-            <a:off x="5945316" y="6150934"/>
-            <a:ext cx="457200" cy="457200"/>
-          </a:xfrm>
-          <a:prstGeom prst="rect">
-            <a:avLst/>
-          </a:prstGeom>
-        </p:spPr>
-      </p:pic>
-      <p:pic>
-        <p:nvPicPr>
-          <p:cNvPr id="49" name="Graphic 48" descr="Dumbbell">
-            <a:extLst>
-              <a:ext uri="{FF2B5EF4-FFF2-40B4-BE49-F238E27FC236}">
-                <a16:creationId xmlns:a16="http://schemas.microsoft.com/office/drawing/2014/main" id="{8D29027B-66BC-7546-A7BD-D2804166BDF9}"/>
-              </a:ext>
-            </a:extLst>
-          </p:cNvPr>
-          <p:cNvPicPr>
-            <a:picLocks noChangeAspect="1"/>
-          </p:cNvPicPr>
-          <p:nvPr/>
-        </p:nvPicPr>
-        <p:blipFill>
-          <a:blip r:embed="rId5">
-            <a:extLst>
-              <a:ext uri="{96DAC541-7B7A-43D3-8B79-37D633B846F1}">
-                <asvg:svgBlip xmlns:asvg="http://schemas.microsoft.com/office/drawing/2016/SVG/main" r:embed="rId6"/>
-              </a:ext>
-            </a:extLst>
-          </a:blip>
-          <a:stretch>
-            <a:fillRect/>
-          </a:stretch>
-        </p:blipFill>
-        <p:spPr>
-          <a:xfrm>
-            <a:off x="4582860" y="6150934"/>
-            <a:ext cx="457200" cy="457200"/>
-          </a:xfrm>
-          <a:prstGeom prst="rect">
-            <a:avLst/>
-          </a:prstGeom>
-        </p:spPr>
-      </p:pic>
-      <p:sp>
-        <p:nvSpPr>
-          <p:cNvPr id="52" name="TextBox 51">
-            <a:extLst>
-              <a:ext uri="{FF2B5EF4-FFF2-40B4-BE49-F238E27FC236}">
-                <a16:creationId xmlns:a16="http://schemas.microsoft.com/office/drawing/2014/main" id="{E2E0678D-6132-C948-A9F9-110B57FF1CBE}"/>
-              </a:ext>
-            </a:extLst>
-          </p:cNvPr>
-          <p:cNvSpPr txBox="1"/>
-          <p:nvPr/>
-        </p:nvSpPr>
-        <p:spPr>
-          <a:xfrm>
-            <a:off x="4392792" y="6523468"/>
-            <a:ext cx="740908" cy="369332"/>
-          </a:xfrm>
-          <a:prstGeom prst="rect">
-            <a:avLst/>
-          </a:prstGeom>
-          <a:noFill/>
-        </p:spPr>
-        <p:txBody>
-          <a:bodyPr wrap="none" rtlCol="0">
-            <a:spAutoFit/>
-          </a:bodyPr>
-          <a:lstStyle/>
-          <a:p>
-            <a:r>
-              <a:rPr lang="en-US" dirty="0"/>
-              <a:t>10RM</a:t>
-            </a:r>
-          </a:p>
-        </p:txBody>
-      </p:sp>
-      <p:sp>
-        <p:nvSpPr>
-          <p:cNvPr id="53" name="TextBox 52">
-            <a:extLst>
-              <a:ext uri="{FF2B5EF4-FFF2-40B4-BE49-F238E27FC236}">
-                <a16:creationId xmlns:a16="http://schemas.microsoft.com/office/drawing/2014/main" id="{B66C2C40-479B-294B-A195-0EE8942B96D3}"/>
-              </a:ext>
-            </a:extLst>
-          </p:cNvPr>
-          <p:cNvSpPr txBox="1"/>
-          <p:nvPr/>
-        </p:nvSpPr>
-        <p:spPr>
-          <a:xfrm>
-            <a:off x="5803462" y="6523468"/>
-            <a:ext cx="790601" cy="369332"/>
-          </a:xfrm>
-          <a:prstGeom prst="rect">
-            <a:avLst/>
-          </a:prstGeom>
-          <a:noFill/>
-        </p:spPr>
-        <p:txBody>
-          <a:bodyPr wrap="none" rtlCol="0">
-            <a:spAutoFit/>
-          </a:bodyPr>
-          <a:lstStyle/>
-          <a:p>
-            <a:r>
-              <a:rPr lang="en-US" dirty="0"/>
-              <a:t>HOME</a:t>
-            </a:r>
-          </a:p>
-        </p:txBody>
-      </p:sp>
-      <p:pic>
-        <p:nvPicPr>
-          <p:cNvPr id="4" name="Graphic 3" descr="Daily calendar">
-            <a:extLst>
-              <a:ext uri="{FF2B5EF4-FFF2-40B4-BE49-F238E27FC236}">
-                <a16:creationId xmlns:a16="http://schemas.microsoft.com/office/drawing/2014/main" id="{DF9A4494-9FEB-E243-A1BA-12081792E9DA}"/>
-              </a:ext>
-            </a:extLst>
-          </p:cNvPr>
-          <p:cNvPicPr>
-            <a:picLocks noChangeAspect="1"/>
-          </p:cNvPicPr>
-          <p:nvPr/>
-        </p:nvPicPr>
-        <p:blipFill>
-          <a:blip r:embed="rId7">
-            <a:extLst>
-              <a:ext uri="{96DAC541-7B7A-43D3-8B79-37D633B846F1}">
-                <asvg:svgBlip xmlns:asvg="http://schemas.microsoft.com/office/drawing/2016/SVG/main" r:embed="rId8"/>
-              </a:ext>
-            </a:extLst>
-          </a:blip>
-          <a:stretch>
-            <a:fillRect/>
-          </a:stretch>
-        </p:blipFill>
-        <p:spPr>
-          <a:xfrm>
-            <a:off x="7205155" y="6158292"/>
-            <a:ext cx="457200" cy="457200"/>
-          </a:xfrm>
-          <a:prstGeom prst="rect">
-            <a:avLst/>
-          </a:prstGeom>
-        </p:spPr>
-      </p:pic>
-      <p:sp>
-        <p:nvSpPr>
-          <p:cNvPr id="61" name="TextBox 60">
-            <a:extLst>
-              <a:ext uri="{FF2B5EF4-FFF2-40B4-BE49-F238E27FC236}">
-                <a16:creationId xmlns:a16="http://schemas.microsoft.com/office/drawing/2014/main" id="{DA2C93B8-668B-A34A-9909-B4E753903702}"/>
-              </a:ext>
-            </a:extLst>
-          </p:cNvPr>
-          <p:cNvSpPr txBox="1"/>
-          <p:nvPr/>
-        </p:nvSpPr>
-        <p:spPr>
-          <a:xfrm>
-            <a:off x="6788482" y="6523468"/>
-            <a:ext cx="1290546" cy="369332"/>
-          </a:xfrm>
-          <a:prstGeom prst="rect">
-            <a:avLst/>
-          </a:prstGeom>
-          <a:noFill/>
-        </p:spPr>
-        <p:txBody>
-          <a:bodyPr wrap="none" rtlCol="0">
-            <a:spAutoFit/>
-          </a:bodyPr>
-          <a:lstStyle/>
-          <a:p>
-            <a:r>
-              <a:rPr lang="en-US" dirty="0"/>
-              <a:t>WORKOUTS</a:t>
-            </a:r>
-          </a:p>
-        </p:txBody>
-      </p:sp>
-      <p:graphicFrame>
-        <p:nvGraphicFramePr>
-          <p:cNvPr id="9" name="Chart 8">
-            <a:extLst>
-              <a:ext uri="{FF2B5EF4-FFF2-40B4-BE49-F238E27FC236}">
-                <a16:creationId xmlns:a16="http://schemas.microsoft.com/office/drawing/2014/main" id="{E88EE0AE-EAF6-AF43-A8F5-DD5FA0C2C88C}"/>
-              </a:ext>
-            </a:extLst>
-          </p:cNvPr>
-          <p:cNvGraphicFramePr/>
-          <p:nvPr/>
-        </p:nvGraphicFramePr>
-        <p:xfrm>
-          <a:off x="2032000" y="1980282"/>
-          <a:ext cx="8128000" cy="4158051"/>
-        </p:xfrm>
-        <a:graphic>
-          <a:graphicData uri="http://schemas.openxmlformats.org/drawingml/2006/chart">
-            <c:chart xmlns:c="http://schemas.openxmlformats.org/drawingml/2006/chart" xmlns:r="http://schemas.openxmlformats.org/officeDocument/2006/relationships" r:id="rId9"/>
-          </a:graphicData>
-        </a:graphic>
-      </p:graphicFrame>
-    </p:spTree>
-    <p:extLst>
-      <p:ext uri="{BB962C8B-B14F-4D97-AF65-F5344CB8AC3E}">
-        <p14:creationId xmlns:p14="http://schemas.microsoft.com/office/powerpoint/2010/main" val="1615468176"/>
       </p:ext>
     </p:extLst>
   </p:cSld>
